--- a/powerpoint/DotNedSaturday-Visual Webassembly compiler.pptx
+++ b/powerpoint/DotNedSaturday-Visual Webassembly compiler.pptx
@@ -17,28 +17,29 @@
     <p:sldId id="285" r:id="rId11"/>
     <p:sldId id="264" r:id="rId12"/>
     <p:sldId id="265" r:id="rId13"/>
-    <p:sldId id="293" r:id="rId14"/>
-    <p:sldId id="297" r:id="rId15"/>
-    <p:sldId id="259" r:id="rId16"/>
-    <p:sldId id="260" r:id="rId17"/>
-    <p:sldId id="274" r:id="rId18"/>
-    <p:sldId id="263" r:id="rId19"/>
-    <p:sldId id="282" r:id="rId20"/>
-    <p:sldId id="296" r:id="rId21"/>
-    <p:sldId id="281" r:id="rId22"/>
-    <p:sldId id="299" r:id="rId23"/>
-    <p:sldId id="290" r:id="rId24"/>
-    <p:sldId id="298" r:id="rId25"/>
-    <p:sldId id="266" r:id="rId26"/>
-    <p:sldId id="276" r:id="rId27"/>
-    <p:sldId id="295" r:id="rId28"/>
-    <p:sldId id="294" r:id="rId29"/>
-    <p:sldId id="277" r:id="rId30"/>
-    <p:sldId id="267" r:id="rId31"/>
-    <p:sldId id="279" r:id="rId32"/>
-    <p:sldId id="275" r:id="rId33"/>
-    <p:sldId id="292" r:id="rId34"/>
-    <p:sldId id="280" r:id="rId35"/>
+    <p:sldId id="300" r:id="rId14"/>
+    <p:sldId id="293" r:id="rId15"/>
+    <p:sldId id="297" r:id="rId16"/>
+    <p:sldId id="259" r:id="rId17"/>
+    <p:sldId id="260" r:id="rId18"/>
+    <p:sldId id="274" r:id="rId19"/>
+    <p:sldId id="263" r:id="rId20"/>
+    <p:sldId id="282" r:id="rId21"/>
+    <p:sldId id="296" r:id="rId22"/>
+    <p:sldId id="281" r:id="rId23"/>
+    <p:sldId id="299" r:id="rId24"/>
+    <p:sldId id="290" r:id="rId25"/>
+    <p:sldId id="298" r:id="rId26"/>
+    <p:sldId id="266" r:id="rId27"/>
+    <p:sldId id="276" r:id="rId28"/>
+    <p:sldId id="295" r:id="rId29"/>
+    <p:sldId id="294" r:id="rId30"/>
+    <p:sldId id="277" r:id="rId31"/>
+    <p:sldId id="267" r:id="rId32"/>
+    <p:sldId id="279" r:id="rId33"/>
+    <p:sldId id="275" r:id="rId34"/>
+    <p:sldId id="292" r:id="rId35"/>
+    <p:sldId id="280" r:id="rId36"/>
   </p:sldIdLst>
   <p:sldSz cx="12192000" cy="6858000"/>
   <p:notesSz cx="6858000" cy="9144000"/>
@@ -148,7 +149,7 @@
 <file path=ppt/revisionInfo.xml><?xml version="1.0" encoding="utf-8"?>
 <p1510:revInfo xmlns:a="http://schemas.openxmlformats.org/drawingml/2006/main" xmlns:r="http://schemas.openxmlformats.org/officeDocument/2006/relationships" xmlns:p1510="http://schemas.microsoft.com/office/powerpoint/2015/10/main">
   <p1510:revLst>
-    <p1510:client id="{84A67062-6600-45B4-A404-91586793B212}" v="16" dt="2022-05-27T13:27:48.172"/>
+    <p1510:client id="{84A67062-6600-45B4-A404-91586793B212}" v="17" dt="2022-05-28T09:44:41.922"/>
   </p1510:revLst>
 </p1510:revInfo>
 </file>
@@ -2583,7 +2584,7 @@
   <pc:docChgLst>
     <pc:chgData name="Maikel van de Lisdonk" userId="abe9b6dad721d46b" providerId="LiveId" clId="{84A67062-6600-45B4-A404-91586793B212}"/>
     <pc:docChg chg="undo custSel addSld delSld modSld sldOrd">
-      <pc:chgData name="Maikel van de Lisdonk" userId="abe9b6dad721d46b" providerId="LiveId" clId="{84A67062-6600-45B4-A404-91586793B212}" dt="2022-05-27T13:27:56.254" v="3354" actId="20577"/>
+      <pc:chgData name="Maikel van de Lisdonk" userId="abe9b6dad721d46b" providerId="LiveId" clId="{84A67062-6600-45B4-A404-91586793B212}" dt="2022-05-28T09:49:27.144" v="3656" actId="20577"/>
       <pc:docMkLst>
         <pc:docMk/>
       </pc:docMkLst>
@@ -2618,13 +2619,13 @@
         </pc:spChg>
       </pc:sldChg>
       <pc:sldChg chg="modSp mod">
-        <pc:chgData name="Maikel van de Lisdonk" userId="abe9b6dad721d46b" providerId="LiveId" clId="{84A67062-6600-45B4-A404-91586793B212}" dt="2022-05-26T13:26:26.038" v="2095" actId="20577"/>
+        <pc:chgData name="Maikel van de Lisdonk" userId="abe9b6dad721d46b" providerId="LiveId" clId="{84A67062-6600-45B4-A404-91586793B212}" dt="2022-05-28T09:22:24.648" v="3404" actId="20577"/>
         <pc:sldMkLst>
           <pc:docMk/>
           <pc:sldMk cId="3661904406" sldId="259"/>
         </pc:sldMkLst>
         <pc:spChg chg="mod">
-          <ac:chgData name="Maikel van de Lisdonk" userId="abe9b6dad721d46b" providerId="LiveId" clId="{84A67062-6600-45B4-A404-91586793B212}" dt="2022-05-26T13:26:26.038" v="2095" actId="20577"/>
+          <ac:chgData name="Maikel van de Lisdonk" userId="abe9b6dad721d46b" providerId="LiveId" clId="{84A67062-6600-45B4-A404-91586793B212}" dt="2022-05-28T09:22:24.648" v="3404" actId="20577"/>
           <ac:spMkLst>
             <pc:docMk/>
             <pc:sldMk cId="3661904406" sldId="259"/>
@@ -2633,13 +2634,13 @@
         </pc:spChg>
       </pc:sldChg>
       <pc:sldChg chg="modSp mod ord">
-        <pc:chgData name="Maikel van de Lisdonk" userId="abe9b6dad721d46b" providerId="LiveId" clId="{84A67062-6600-45B4-A404-91586793B212}" dt="2022-05-27T13:26:52.704" v="3330"/>
+        <pc:chgData name="Maikel van de Lisdonk" userId="abe9b6dad721d46b" providerId="LiveId" clId="{84A67062-6600-45B4-A404-91586793B212}" dt="2022-05-28T09:22:50.521" v="3405" actId="20577"/>
         <pc:sldMkLst>
           <pc:docMk/>
           <pc:sldMk cId="3252147347" sldId="260"/>
         </pc:sldMkLst>
         <pc:spChg chg="mod">
-          <ac:chgData name="Maikel van de Lisdonk" userId="abe9b6dad721d46b" providerId="LiveId" clId="{84A67062-6600-45B4-A404-91586793B212}" dt="2022-05-23T09:34:36.406" v="1308" actId="20577"/>
+          <ac:chgData name="Maikel van de Lisdonk" userId="abe9b6dad721d46b" providerId="LiveId" clId="{84A67062-6600-45B4-A404-91586793B212}" dt="2022-05-28T09:22:50.521" v="3405" actId="20577"/>
           <ac:spMkLst>
             <pc:docMk/>
             <pc:sldMk cId="3252147347" sldId="260"/>
@@ -2648,7 +2649,7 @@
         </pc:spChg>
       </pc:sldChg>
       <pc:sldChg chg="modSp mod">
-        <pc:chgData name="Maikel van de Lisdonk" userId="abe9b6dad721d46b" providerId="LiveId" clId="{84A67062-6600-45B4-A404-91586793B212}" dt="2022-05-27T13:18:55.864" v="3309" actId="5793"/>
+        <pc:chgData name="Maikel van de Lisdonk" userId="abe9b6dad721d46b" providerId="LiveId" clId="{84A67062-6600-45B4-A404-91586793B212}" dt="2022-05-28T09:21:55.073" v="3391" actId="20577"/>
         <pc:sldMkLst>
           <pc:docMk/>
           <pc:sldMk cId="671796232" sldId="261"/>
@@ -2662,7 +2663,7 @@
           </ac:spMkLst>
         </pc:spChg>
         <pc:spChg chg="mod">
-          <ac:chgData name="Maikel van de Lisdonk" userId="abe9b6dad721d46b" providerId="LiveId" clId="{84A67062-6600-45B4-A404-91586793B212}" dt="2022-05-27T13:18:55.864" v="3309" actId="5793"/>
+          <ac:chgData name="Maikel van de Lisdonk" userId="abe9b6dad721d46b" providerId="LiveId" clId="{84A67062-6600-45B4-A404-91586793B212}" dt="2022-05-28T09:21:55.073" v="3391" actId="20577"/>
           <ac:spMkLst>
             <pc:docMk/>
             <pc:sldMk cId="671796232" sldId="261"/>
@@ -2860,7 +2861,7 @@
         </pc:spChg>
       </pc:sldChg>
       <pc:sldChg chg="modSp mod">
-        <pc:chgData name="Maikel van de Lisdonk" userId="abe9b6dad721d46b" providerId="LiveId" clId="{84A67062-6600-45B4-A404-91586793B212}" dt="2022-05-25T05:25:31.706" v="1987" actId="20577"/>
+        <pc:chgData name="Maikel van de Lisdonk" userId="abe9b6dad721d46b" providerId="LiveId" clId="{84A67062-6600-45B4-A404-91586793B212}" dt="2022-05-28T06:28:00.630" v="3368" actId="20577"/>
         <pc:sldMkLst>
           <pc:docMk/>
           <pc:sldMk cId="3475473021" sldId="286"/>
@@ -2871,6 +2872,14 @@
             <pc:docMk/>
             <pc:sldMk cId="3475473021" sldId="286"/>
             <ac:spMk id="2" creationId="{4B96F5ED-0541-408B-B0BA-37A496B9B775}"/>
+          </ac:spMkLst>
+        </pc:spChg>
+        <pc:spChg chg="mod">
+          <ac:chgData name="Maikel van de Lisdonk" userId="abe9b6dad721d46b" providerId="LiveId" clId="{84A67062-6600-45B4-A404-91586793B212}" dt="2022-05-28T06:28:00.630" v="3368" actId="20577"/>
+          <ac:spMkLst>
+            <pc:docMk/>
+            <pc:sldMk cId="3475473021" sldId="286"/>
+            <ac:spMk id="11" creationId="{E98C82E1-97F0-4C19-8B03-582C8B760019}"/>
           </ac:spMkLst>
         </pc:spChg>
         <pc:spChg chg="mod">
@@ -2913,7 +2922,7 @@
         </pc:spChg>
       </pc:sldChg>
       <pc:sldChg chg="addSp delSp modSp add mod">
-        <pc:chgData name="Maikel van de Lisdonk" userId="abe9b6dad721d46b" providerId="LiveId" clId="{84A67062-6600-45B4-A404-91586793B212}" dt="2022-05-22T08:27:49.947" v="678" actId="20577"/>
+        <pc:chgData name="Maikel van de Lisdonk" userId="abe9b6dad721d46b" providerId="LiveId" clId="{84A67062-6600-45B4-A404-91586793B212}" dt="2022-05-28T09:49:27.144" v="3656" actId="20577"/>
         <pc:sldMkLst>
           <pc:docMk/>
           <pc:sldMk cId="659976656" sldId="290"/>
@@ -2935,7 +2944,7 @@
           </ac:spMkLst>
         </pc:spChg>
         <pc:spChg chg="add mod">
-          <ac:chgData name="Maikel van de Lisdonk" userId="abe9b6dad721d46b" providerId="LiveId" clId="{84A67062-6600-45B4-A404-91586793B212}" dt="2022-05-22T08:27:49.947" v="678" actId="20577"/>
+          <ac:chgData name="Maikel van de Lisdonk" userId="abe9b6dad721d46b" providerId="LiveId" clId="{84A67062-6600-45B4-A404-91586793B212}" dt="2022-05-28T09:49:27.144" v="3656" actId="20577"/>
           <ac:spMkLst>
             <pc:docMk/>
             <pc:sldMk cId="659976656" sldId="290"/>
@@ -3006,7 +3015,7 @@
         </pc:sldMkLst>
       </pc:sldChg>
       <pc:sldChg chg="addSp modSp add mod ord">
-        <pc:chgData name="Maikel van de Lisdonk" userId="abe9b6dad721d46b" providerId="LiveId" clId="{84A67062-6600-45B4-A404-91586793B212}" dt="2022-05-27T09:58:04.470" v="2475"/>
+        <pc:chgData name="Maikel van de Lisdonk" userId="abe9b6dad721d46b" providerId="LiveId" clId="{84A67062-6600-45B4-A404-91586793B212}" dt="2022-05-28T09:44:15.778" v="3424" actId="20577"/>
         <pc:sldMkLst>
           <pc:docMk/>
           <pc:sldMk cId="781711711" sldId="293"/>
@@ -3020,7 +3029,7 @@
           </ac:spMkLst>
         </pc:spChg>
         <pc:spChg chg="mod">
-          <ac:chgData name="Maikel van de Lisdonk" userId="abe9b6dad721d46b" providerId="LiveId" clId="{84A67062-6600-45B4-A404-91586793B212}" dt="2022-05-26T13:30:14.797" v="2302" actId="20577"/>
+          <ac:chgData name="Maikel van de Lisdonk" userId="abe9b6dad721d46b" providerId="LiveId" clId="{84A67062-6600-45B4-A404-91586793B212}" dt="2022-05-28T09:44:15.778" v="3424" actId="20577"/>
           <ac:spMkLst>
             <pc:docMk/>
             <pc:sldMk cId="781711711" sldId="293"/>
@@ -3115,6 +3124,29 @@
             <pc:docMk/>
             <pc:sldMk cId="3421228600" sldId="299"/>
             <ac:spMk id="2" creationId="{00000000-0000-0000-0000-000000000000}"/>
+          </ac:spMkLst>
+        </pc:spChg>
+      </pc:sldChg>
+      <pc:sldChg chg="modSp add mod">
+        <pc:chgData name="Maikel van de Lisdonk" userId="abe9b6dad721d46b" providerId="LiveId" clId="{84A67062-6600-45B4-A404-91586793B212}" dt="2022-05-28T09:45:45.300" v="3563"/>
+        <pc:sldMkLst>
+          <pc:docMk/>
+          <pc:sldMk cId="2257086086" sldId="300"/>
+        </pc:sldMkLst>
+        <pc:spChg chg="mod">
+          <ac:chgData name="Maikel van de Lisdonk" userId="abe9b6dad721d46b" providerId="LiveId" clId="{84A67062-6600-45B4-A404-91586793B212}" dt="2022-05-28T09:45:21.294" v="3531" actId="20577"/>
+          <ac:spMkLst>
+            <pc:docMk/>
+            <pc:sldMk cId="2257086086" sldId="300"/>
+            <ac:spMk id="2" creationId="{D08D766C-F1B8-4E8C-A9FA-9E18D8D1FE51}"/>
+          </ac:spMkLst>
+        </pc:spChg>
+        <pc:spChg chg="mod">
+          <ac:chgData name="Maikel van de Lisdonk" userId="abe9b6dad721d46b" providerId="LiveId" clId="{84A67062-6600-45B4-A404-91586793B212}" dt="2022-05-28T09:45:45.300" v="3563"/>
+          <ac:spMkLst>
+            <pc:docMk/>
+            <pc:sldMk cId="2257086086" sldId="300"/>
+            <ac:spMk id="3" creationId="{60CBA141-30B6-43AD-ADB1-5B17854AE0B2}"/>
           </ac:spMkLst>
         </pc:spChg>
       </pc:sldChg>
@@ -7428,6 +7460,133 @@
           <p:cNvPr id="2" name="Titel 1">
             <a:extLst>
               <a:ext uri="{FF2B5EF4-FFF2-40B4-BE49-F238E27FC236}">
+                <a16:creationId xmlns:a16="http://schemas.microsoft.com/office/drawing/2014/main" id="{D08D766C-F1B8-4E8C-A9FA-9E18D8D1FE51}"/>
+              </a:ext>
+            </a:extLst>
+          </p:cNvPr>
+          <p:cNvSpPr>
+            <a:spLocks noGrp="1"/>
+          </p:cNvSpPr>
+          <p:nvPr>
+            <p:ph type="title"/>
+          </p:nvPr>
+        </p:nvSpPr>
+        <p:spPr/>
+        <p:txBody>
+          <a:bodyPr/>
+          <a:lstStyle/>
+          <a:p>
+            <a:r>
+              <a:rPr lang="nl-NL" dirty="0">
+                <a:cs typeface="Calibri Light"/>
+              </a:rPr>
+              <a:t>WASM </a:t>
+            </a:r>
+            <a:r>
+              <a:rPr lang="nl-NL" dirty="0" err="1">
+                <a:cs typeface="Calibri Light"/>
+              </a:rPr>
+              <a:t>binary</a:t>
+            </a:r>
+            <a:r>
+              <a:rPr lang="nl-NL" dirty="0">
+                <a:cs typeface="Calibri Light"/>
+              </a:rPr>
+              <a:t> representatie</a:t>
+            </a:r>
+            <a:endParaRPr lang="nl-NL" dirty="0"/>
+          </a:p>
+        </p:txBody>
+      </p:sp>
+      <p:sp>
+        <p:nvSpPr>
+          <p:cNvPr id="3" name="Tijdelijke aanduiding voor inhoud 2">
+            <a:extLst>
+              <a:ext uri="{FF2B5EF4-FFF2-40B4-BE49-F238E27FC236}">
+                <a16:creationId xmlns:a16="http://schemas.microsoft.com/office/drawing/2014/main" id="{60CBA141-30B6-43AD-ADB1-5B17854AE0B2}"/>
+              </a:ext>
+            </a:extLst>
+          </p:cNvPr>
+          <p:cNvSpPr>
+            <a:spLocks noGrp="1"/>
+          </p:cNvSpPr>
+          <p:nvPr>
+            <p:ph idx="1"/>
+          </p:nvPr>
+        </p:nvSpPr>
+        <p:spPr/>
+        <p:txBody>
+          <a:bodyPr vert="horz" lIns="91440" tIns="45720" rIns="91440" bIns="45720" rtlCol="0" anchor="t">
+            <a:normAutofit/>
+          </a:bodyPr>
+          <a:lstStyle/>
+          <a:p>
+            <a:pPr>
+              <a:buFontTx/>
+              <a:buChar char="-"/>
+            </a:pPr>
+            <a:r>
+              <a:rPr lang="nl-NL" dirty="0">
+                <a:cs typeface="Calibri" panose="020F0502020204030204"/>
+              </a:rPr>
+              <a:t>Hexadecimaal rekenen?</a:t>
+            </a:r>
+          </a:p>
+          <a:p>
+            <a:pPr>
+              <a:buFontTx/>
+              <a:buChar char="-"/>
+            </a:pPr>
+            <a:r>
+              <a:rPr lang="nl-NL" dirty="0" err="1">
+                <a:cs typeface="Calibri" panose="020F0502020204030204"/>
+              </a:rPr>
+              <a:t>Codeexplorer</a:t>
+            </a:r>
+            <a:r>
+              <a:rPr lang="nl-NL" dirty="0">
+                <a:cs typeface="Calibri" panose="020F0502020204030204"/>
+              </a:rPr>
+              <a:t> https://wasdk.github.io/wasmcodeexplorer/</a:t>
+            </a:r>
+          </a:p>
+        </p:txBody>
+      </p:sp>
+    </p:spTree>
+    <p:extLst>
+      <p:ext uri="{BB962C8B-B14F-4D97-AF65-F5344CB8AC3E}">
+        <p14:creationId xmlns:p14="http://schemas.microsoft.com/office/powerpoint/2010/main" val="2257086086"/>
+      </p:ext>
+    </p:extLst>
+  </p:cSld>
+  <p:clrMapOvr>
+    <a:masterClrMapping/>
+  </p:clrMapOvr>
+</p:sld>
+</file>
+
+<file path=ppt/slides/slide14.xml><?xml version="1.0" encoding="utf-8"?>
+<p:sld xmlns:a="http://schemas.openxmlformats.org/drawingml/2006/main" xmlns:r="http://schemas.openxmlformats.org/officeDocument/2006/relationships" xmlns:p="http://schemas.openxmlformats.org/presentationml/2006/main">
+  <p:cSld>
+    <p:spTree>
+      <p:nvGrpSpPr>
+        <p:cNvPr id="1" name=""/>
+        <p:cNvGrpSpPr/>
+        <p:nvPr/>
+      </p:nvGrpSpPr>
+      <p:grpSpPr>
+        <a:xfrm>
+          <a:off x="0" y="0"/>
+          <a:ext cx="0" cy="0"/>
+          <a:chOff x="0" y="0"/>
+          <a:chExt cx="0" cy="0"/>
+        </a:xfrm>
+      </p:grpSpPr>
+      <p:sp>
+        <p:nvSpPr>
+          <p:cNvPr id="2" name="Titel 1">
+            <a:extLst>
+              <a:ext uri="{FF2B5EF4-FFF2-40B4-BE49-F238E27FC236}">
                 <a16:creationId xmlns:a16="http://schemas.microsoft.com/office/drawing/2014/main" id="{4B96F5ED-0541-408B-B0BA-37A496B9B775}"/>
               </a:ext>
             </a:extLst>
@@ -7478,7 +7637,7 @@
         </p:spPr>
         <p:txBody>
           <a:bodyPr vert="horz" lIns="91440" tIns="45720" rIns="91440" bIns="45720" rtlCol="0" anchor="t">
-            <a:normAutofit lnSpcReduction="10000"/>
+            <a:normAutofit fontScale="92500" lnSpcReduction="10000"/>
           </a:bodyPr>
           <a:lstStyle/>
           <a:p>
@@ -7570,10 +7729,12 @@
             </a:r>
           </a:p>
           <a:p>
-            <a:pPr lvl="1"/>
-            <a:endParaRPr lang="nl-NL" dirty="0">
-              <a:cs typeface="Calibri"/>
-            </a:endParaRPr>
+            <a:r>
+              <a:rPr lang="nl-NL" dirty="0">
+                <a:cs typeface="Calibri"/>
+              </a:rPr>
+              <a:t>ABCDEF = 11259375</a:t>
+            </a:r>
           </a:p>
           <a:p>
             <a:endParaRPr lang="nl-NL" dirty="0">
@@ -8245,7 +8406,7 @@
 </p:sld>
 </file>
 
-<file path=ppt/slides/slide14.xml><?xml version="1.0" encoding="utf-8"?>
+<file path=ppt/slides/slide15.xml><?xml version="1.0" encoding="utf-8"?>
 <p:sld xmlns:a="http://schemas.openxmlformats.org/drawingml/2006/main" xmlns:r="http://schemas.openxmlformats.org/officeDocument/2006/relationships" xmlns:p="http://schemas.openxmlformats.org/presentationml/2006/main">
   <p:cSld>
     <p:spTree>
@@ -8308,7 +8469,7 @@
 </p:sld>
 </file>
 
-<file path=ppt/slides/slide15.xml><?xml version="1.0" encoding="utf-8"?>
+<file path=ppt/slides/slide16.xml><?xml version="1.0" encoding="utf-8"?>
 <p:sld xmlns:a="http://schemas.openxmlformats.org/drawingml/2006/main" xmlns:r="http://schemas.openxmlformats.org/officeDocument/2006/relationships" xmlns:p="http://schemas.openxmlformats.org/presentationml/2006/main">
   <p:cSld>
     <p:spTree>
@@ -8384,7 +8545,7 @@
               <a:rPr lang="nl-NL" dirty="0">
                 <a:cs typeface="Calibri"/>
               </a:rPr>
-              <a:t>Low-level Visual programming editor</a:t>
+              <a:t>(Low level) Visual programming editor</a:t>
             </a:r>
           </a:p>
           <a:p>
@@ -8575,7 +8736,7 @@
 </p:sld>
 </file>
 
-<file path=ppt/slides/slide16.xml><?xml version="1.0" encoding="utf-8"?>
+<file path=ppt/slides/slide17.xml><?xml version="1.0" encoding="utf-8"?>
 <p:sld xmlns:a="http://schemas.openxmlformats.org/drawingml/2006/main" xmlns:r="http://schemas.openxmlformats.org/officeDocument/2006/relationships" xmlns:p="http://schemas.openxmlformats.org/presentationml/2006/main">
   <p:cSld>
     <p:spTree>
@@ -8719,15 +8880,6 @@
                 <a:ea typeface="+mn-lt"/>
                 <a:cs typeface="+mn-lt"/>
               </a:rPr>
-              <a:t>Combineren van diagrammen met code geeft een goed overzicht en je kunt de diepte ingaan wanneer nodig</a:t>
-            </a:r>
-          </a:p>
-          <a:p>
-            <a:r>
-              <a:rPr lang="nl-NL" dirty="0">
-                <a:ea typeface="+mn-lt"/>
-                <a:cs typeface="+mn-lt"/>
-              </a:rPr>
               <a:t>Volledige controle over visuele programmeer omgeving geeft veel vrijheid en schept mogelijkheden</a:t>
             </a:r>
             <a:endParaRPr lang="nl-NL" dirty="0">
@@ -8757,7 +8909,7 @@
 </p:sld>
 </file>
 
-<file path=ppt/slides/slide17.xml><?xml version="1.0" encoding="utf-8"?>
+<file path=ppt/slides/slide18.xml><?xml version="1.0" encoding="utf-8"?>
 <p:sld xmlns:a="http://schemas.openxmlformats.org/drawingml/2006/main" xmlns:r="http://schemas.openxmlformats.org/officeDocument/2006/relationships" xmlns:p="http://schemas.openxmlformats.org/presentationml/2006/main">
   <p:cSld>
     <p:spTree>
@@ -9972,7 +10124,7 @@
 </p:sld>
 </file>
 
-<file path=ppt/slides/slide18.xml><?xml version="1.0" encoding="utf-8"?>
+<file path=ppt/slides/slide19.xml><?xml version="1.0" encoding="utf-8"?>
 <p:sld xmlns:a="http://schemas.openxmlformats.org/drawingml/2006/main" xmlns:r="http://schemas.openxmlformats.org/officeDocument/2006/relationships" xmlns:p="http://schemas.openxmlformats.org/presentationml/2006/main">
   <p:cSld>
     <p:spTree>
@@ -10527,283 +10679,6 @@
 </p:sld>
 </file>
 
-<file path=ppt/slides/slide19.xml><?xml version="1.0" encoding="utf-8"?>
-<p:sld xmlns:a="http://schemas.openxmlformats.org/drawingml/2006/main" xmlns:r="http://schemas.openxmlformats.org/officeDocument/2006/relationships" xmlns:p="http://schemas.openxmlformats.org/presentationml/2006/main">
-  <p:cSld>
-    <p:spTree>
-      <p:nvGrpSpPr>
-        <p:cNvPr id="1" name=""/>
-        <p:cNvGrpSpPr/>
-        <p:nvPr/>
-      </p:nvGrpSpPr>
-      <p:grpSpPr>
-        <a:xfrm>
-          <a:off x="0" y="0"/>
-          <a:ext cx="0" cy="0"/>
-          <a:chOff x="0" y="0"/>
-          <a:chExt cx="0" cy="0"/>
-        </a:xfrm>
-      </p:grpSpPr>
-      <p:sp>
-        <p:nvSpPr>
-          <p:cNvPr id="2" name="Titel 1">
-            <a:extLst>
-              <a:ext uri="{FF2B5EF4-FFF2-40B4-BE49-F238E27FC236}">
-                <a16:creationId xmlns:a16="http://schemas.microsoft.com/office/drawing/2014/main" id="{D08D766C-F1B8-4E8C-A9FA-9E18D8D1FE51}"/>
-              </a:ext>
-            </a:extLst>
-          </p:cNvPr>
-          <p:cNvSpPr>
-            <a:spLocks noGrp="1"/>
-          </p:cNvSpPr>
-          <p:nvPr>
-            <p:ph type="title"/>
-          </p:nvPr>
-        </p:nvSpPr>
-        <p:spPr/>
-        <p:txBody>
-          <a:bodyPr/>
-          <a:lstStyle/>
-          <a:p>
-            <a:r>
-              <a:rPr lang="nl-NL" dirty="0" err="1">
-                <a:cs typeface="Calibri Light"/>
-              </a:rPr>
-              <a:t>Webassembly</a:t>
-            </a:r>
-            <a:r>
-              <a:rPr lang="nl-NL" dirty="0">
-                <a:cs typeface="Calibri Light"/>
-              </a:rPr>
-              <a:t> binaire data in javascript</a:t>
-            </a:r>
-            <a:endParaRPr lang="nl-NL" dirty="0"/>
-          </a:p>
-        </p:txBody>
-      </p:sp>
-      <p:sp>
-        <p:nvSpPr>
-          <p:cNvPr id="3" name="Tijdelijke aanduiding voor inhoud 2">
-            <a:extLst>
-              <a:ext uri="{FF2B5EF4-FFF2-40B4-BE49-F238E27FC236}">
-                <a16:creationId xmlns:a16="http://schemas.microsoft.com/office/drawing/2014/main" id="{60CBA141-30B6-43AD-ADB1-5B17854AE0B2}"/>
-              </a:ext>
-            </a:extLst>
-          </p:cNvPr>
-          <p:cNvSpPr>
-            <a:spLocks noGrp="1"/>
-          </p:cNvSpPr>
-          <p:nvPr>
-            <p:ph idx="1"/>
-          </p:nvPr>
-        </p:nvSpPr>
-        <p:spPr/>
-        <p:txBody>
-          <a:bodyPr vert="horz" lIns="91440" tIns="45720" rIns="91440" bIns="45720" rtlCol="0" anchor="t">
-            <a:normAutofit fontScale="40000" lnSpcReduction="20000"/>
-          </a:bodyPr>
-          <a:lstStyle/>
-          <a:p>
-            <a:pPr marL="0" indent="0">
-              <a:buNone/>
-            </a:pPr>
-            <a:r>
-              <a:rPr lang="nl-NL" dirty="0">
-                <a:latin typeface="Consolas" panose="020B0609020204030204" pitchFamily="49" charset="0"/>
-              </a:rPr>
-              <a:t>let importObject = {</a:t>
-            </a:r>
-          </a:p>
-          <a:p>
-            <a:pPr marL="0" indent="0">
-              <a:buNone/>
-            </a:pPr>
-            <a:r>
-              <a:rPr lang="nl-NL" dirty="0">
-                <a:latin typeface="Consolas" panose="020B0609020204030204" pitchFamily="49" charset="0"/>
-              </a:rPr>
-              <a:t>  imports: {</a:t>
-            </a:r>
-          </a:p>
-          <a:p>
-            <a:pPr marL="0" indent="0">
-              <a:buNone/>
-            </a:pPr>
-            <a:r>
-              <a:rPr lang="nl-NL" dirty="0">
-                <a:latin typeface="Consolas" panose="020B0609020204030204" pitchFamily="49" charset="0"/>
-              </a:rPr>
-              <a:t>    log: (arg) =&gt; {</a:t>
-            </a:r>
-          </a:p>
-          <a:p>
-            <a:pPr marL="0" indent="0">
-              <a:buNone/>
-            </a:pPr>
-            <a:r>
-              <a:rPr lang="nl-NL" dirty="0">
-                <a:latin typeface="Consolas" panose="020B0609020204030204" pitchFamily="49" charset="0"/>
-              </a:rPr>
-              <a:t>      console.log("log from wasm", arg)</a:t>
-            </a:r>
-          </a:p>
-          <a:p>
-            <a:pPr marL="0" indent="0">
-              <a:buNone/>
-            </a:pPr>
-            <a:r>
-              <a:rPr lang="nl-NL" dirty="0">
-                <a:latin typeface="Consolas" panose="020B0609020204030204" pitchFamily="49" charset="0"/>
-              </a:rPr>
-              <a:t>    }</a:t>
-            </a:r>
-          </a:p>
-          <a:p>
-            <a:pPr marL="0" indent="0">
-              <a:buNone/>
-            </a:pPr>
-            <a:r>
-              <a:rPr lang="nl-NL" dirty="0">
-                <a:latin typeface="Consolas" panose="020B0609020204030204" pitchFamily="49" charset="0"/>
-              </a:rPr>
-              <a:t>  },</a:t>
-            </a:r>
-          </a:p>
-          <a:p>
-            <a:pPr marL="0" indent="0">
-              <a:buNone/>
-            </a:pPr>
-            <a:r>
-              <a:rPr lang="nl-NL" dirty="0">
-                <a:latin typeface="Consolas" panose="020B0609020204030204" pitchFamily="49" charset="0"/>
-              </a:rPr>
-              <a:t>};</a:t>
-            </a:r>
-          </a:p>
-          <a:p>
-            <a:pPr marL="0" indent="0">
-              <a:buNone/>
-            </a:pPr>
-            <a:br>
-              <a:rPr lang="nl-NL" dirty="0">
-                <a:latin typeface="Consolas" panose="020B0609020204030204" pitchFamily="49" charset="0"/>
-              </a:rPr>
-            </a:br>
-            <a:r>
-              <a:rPr lang="nl-NL" dirty="0">
-                <a:latin typeface="Consolas" panose="020B0609020204030204" pitchFamily="49" charset="0"/>
-              </a:rPr>
-              <a:t>const wasmModule = new Uint8Array([   </a:t>
-            </a:r>
-          </a:p>
-          <a:p>
-            <a:pPr marL="0" indent="0">
-              <a:buNone/>
-            </a:pPr>
-            <a:r>
-              <a:rPr lang="nl-NL" dirty="0">
-                <a:latin typeface="Consolas" panose="020B0609020204030204" pitchFamily="49" charset="0"/>
-              </a:rPr>
-              <a:t>  0x00,0x61,0x73,0x6D,0x01,0x00,0x00,0x00,0x01,0x0A,0x02,0x60,0x01,0x7F,0x00,0x60,</a:t>
-            </a:r>
-          </a:p>
-          <a:p>
-            <a:pPr marL="0" indent="0">
-              <a:buNone/>
-            </a:pPr>
-            <a:r>
-              <a:rPr lang="nl-NL" dirty="0">
-                <a:latin typeface="Consolas" panose="020B0609020204030204" pitchFamily="49" charset="0"/>
-              </a:rPr>
-              <a:t>  0x02,0x7F,0x7F,0x00,0x02,0x0F,0x01,0x07,0x69,0x6D,0x70,0x6F,0x72,0x74,0x73,0x03,    </a:t>
-            </a:r>
-          </a:p>
-          <a:p>
-            <a:pPr marL="0" indent="0">
-              <a:buNone/>
-            </a:pPr>
-            <a:r>
-              <a:rPr lang="nl-NL" dirty="0">
-                <a:latin typeface="Consolas" panose="020B0609020204030204" pitchFamily="49" charset="0"/>
-              </a:rPr>
-              <a:t>  0x6C,0x6F,0x67,0x00,0x00,0x03,0x02,0x01,0x01,0x07,0x06,0x01,0x02,0x64,0x6F,0x00,    </a:t>
-            </a:r>
-          </a:p>
-          <a:p>
-            <a:pPr marL="0" indent="0">
-              <a:buNone/>
-            </a:pPr>
-            <a:r>
-              <a:rPr lang="nl-NL" dirty="0">
-                <a:latin typeface="Consolas" panose="020B0609020204030204" pitchFamily="49" charset="0"/>
-              </a:rPr>
-              <a:t>  0x01,0x0A,0x0B,0x01,0x09,0x00,0x20,0x00,0x20,0x01,0x6A,0x10,0x00,0x0B</a:t>
-            </a:r>
-          </a:p>
-          <a:p>
-            <a:pPr marL="0" indent="0">
-              <a:buNone/>
-            </a:pPr>
-            <a:r>
-              <a:rPr lang="nl-NL" dirty="0">
-                <a:latin typeface="Consolas" panose="020B0609020204030204" pitchFamily="49" charset="0"/>
-              </a:rPr>
-              <a:t>]);          </a:t>
-            </a:r>
-          </a:p>
-          <a:p>
-            <a:pPr marL="0" indent="0">
-              <a:buNone/>
-            </a:pPr>
-            <a:br>
-              <a:rPr lang="nl-NL" dirty="0">
-                <a:latin typeface="Consolas" panose="020B0609020204030204" pitchFamily="49" charset="0"/>
-              </a:rPr>
-            </a:br>
-            <a:r>
-              <a:rPr lang="nl-NL" dirty="0">
-                <a:latin typeface="Consolas" panose="020B0609020204030204" pitchFamily="49" charset="0"/>
-              </a:rPr>
-              <a:t>WebAssembly.instantiate(wasmModule, importObject).then(obj =&gt; {</a:t>
-            </a:r>
-          </a:p>
-          <a:p>
-            <a:pPr marL="0" indent="0">
-              <a:buNone/>
-            </a:pPr>
-            <a:r>
-              <a:rPr lang="nl-NL" dirty="0">
-                <a:latin typeface="Consolas" panose="020B0609020204030204" pitchFamily="49" charset="0"/>
-              </a:rPr>
-              <a:t>    obj.instance.exports.do(100, 200);    </a:t>
-            </a:r>
-          </a:p>
-          <a:p>
-            <a:pPr marL="0" indent="0">
-              <a:buNone/>
-            </a:pPr>
-            <a:r>
-              <a:rPr lang="nl-NL" dirty="0">
-                <a:latin typeface="Consolas" panose="020B0609020204030204" pitchFamily="49" charset="0"/>
-              </a:rPr>
-              <a:t>});</a:t>
-            </a:r>
-          </a:p>
-        </p:txBody>
-      </p:sp>
-    </p:spTree>
-    <p:extLst>
-      <p:ext uri="{BB962C8B-B14F-4D97-AF65-F5344CB8AC3E}">
-        <p14:creationId xmlns:p14="http://schemas.microsoft.com/office/powerpoint/2010/main" val="3739798545"/>
-      </p:ext>
-    </p:extLst>
-  </p:cSld>
-  <p:clrMapOvr>
-    <a:masterClrMapping/>
-  </p:clrMapOvr>
-</p:sld>
-</file>
-
 <file path=ppt/slides/slide2.xml><?xml version="1.0" encoding="utf-8"?>
 <p:sld xmlns:a="http://schemas.openxmlformats.org/drawingml/2006/main" xmlns:r="http://schemas.openxmlformats.org/officeDocument/2006/relationships" xmlns:p="http://schemas.openxmlformats.org/presentationml/2006/main">
   <p:cSld>
@@ -11016,7 +10891,7 @@
           <p:cNvPr id="2" name="Titel 1">
             <a:extLst>
               <a:ext uri="{FF2B5EF4-FFF2-40B4-BE49-F238E27FC236}">
-                <a16:creationId xmlns:a16="http://schemas.microsoft.com/office/drawing/2014/main" id="{4B96F5ED-0541-408B-B0BA-37A496B9B775}"/>
+                <a16:creationId xmlns:a16="http://schemas.microsoft.com/office/drawing/2014/main" id="{D08D766C-F1B8-4E8C-A9FA-9E18D8D1FE51}"/>
               </a:ext>
             </a:extLst>
           </p:cNvPr>
@@ -11033,10 +10908,16 @@
           <a:lstStyle/>
           <a:p>
             <a:r>
-              <a:rPr lang="nl-NL" dirty="0">
+              <a:rPr lang="nl-NL" dirty="0" err="1">
                 <a:cs typeface="Calibri Light"/>
               </a:rPr>
-              <a:t>Demo’s</a:t>
+              <a:t>Webassembly</a:t>
+            </a:r>
+            <a:r>
+              <a:rPr lang="nl-NL" dirty="0">
+                <a:cs typeface="Calibri Light"/>
+              </a:rPr>
+              <a:t> binaire data in javascript</a:t>
             </a:r>
             <a:endParaRPr lang="nl-NL" dirty="0"/>
           </a:p>
@@ -11047,7 +10928,7 @@
           <p:cNvPr id="3" name="Tijdelijke aanduiding voor inhoud 2">
             <a:extLst>
               <a:ext uri="{FF2B5EF4-FFF2-40B4-BE49-F238E27FC236}">
-                <a16:creationId xmlns:a16="http://schemas.microsoft.com/office/drawing/2014/main" id="{47EF4B2F-A922-422C-BDF8-E0C400337467}"/>
+                <a16:creationId xmlns:a16="http://schemas.microsoft.com/office/drawing/2014/main" id="{60CBA141-30B6-43AD-ADB1-5B17854AE0B2}"/>
               </a:ext>
             </a:extLst>
           </p:cNvPr>
@@ -11061,205 +10942,201 @@
         <p:spPr/>
         <p:txBody>
           <a:bodyPr vert="horz" lIns="91440" tIns="45720" rIns="91440" bIns="45720" rtlCol="0" anchor="t">
-            <a:normAutofit/>
+            <a:normAutofit fontScale="40000" lnSpcReduction="20000"/>
           </a:bodyPr>
           <a:lstStyle/>
-          <a:p>
-            <a:r>
-              <a:rPr lang="nl-NL" dirty="0" err="1">
-                <a:cs typeface="Calibri"/>
-              </a:rPr>
-              <a:t>Webassembly</a:t>
-            </a:r>
-            <a:r>
-              <a:rPr lang="nl-NL" dirty="0">
-                <a:cs typeface="Calibri"/>
-              </a:rPr>
-              <a:t> vanaf de </a:t>
-            </a:r>
-            <a:r>
-              <a:rPr lang="nl-NL" dirty="0" err="1">
-                <a:cs typeface="Calibri"/>
-              </a:rPr>
-              <a:t>command</a:t>
-            </a:r>
-            <a:r>
-              <a:rPr lang="nl-NL" dirty="0">
-                <a:cs typeface="Calibri"/>
-              </a:rPr>
-              <a:t>-line </a:t>
-            </a:r>
-            <a:r>
-              <a:rPr lang="nl-NL" dirty="0" err="1">
-                <a:cs typeface="Calibri"/>
-              </a:rPr>
-              <a:t>mbv</a:t>
-            </a:r>
-            <a:r>
-              <a:rPr lang="nl-NL" dirty="0">
-                <a:cs typeface="Calibri"/>
-              </a:rPr>
-              <a:t> WABT</a:t>
-            </a:r>
-            <a:endParaRPr lang="nl-NL" dirty="0">
-              <a:ea typeface="+mn-lt"/>
-              <a:cs typeface="Calibri"/>
-            </a:endParaRPr>
-          </a:p>
-          <a:p>
-            <a:r>
-              <a:rPr lang="nl-NL" dirty="0">
-                <a:ea typeface="+mn-lt"/>
-                <a:cs typeface="Calibri"/>
-              </a:rPr>
-              <a:t>Eenvoudigste programma </a:t>
-            </a:r>
-            <a:r>
-              <a:rPr lang="nl-NL" dirty="0" err="1">
-                <a:ea typeface="+mn-lt"/>
-                <a:cs typeface="Calibri"/>
-              </a:rPr>
-              <a:t>mbv</a:t>
-            </a:r>
-            <a:r>
-              <a:rPr lang="nl-NL" dirty="0">
-                <a:ea typeface="+mn-lt"/>
-                <a:cs typeface="Calibri"/>
-              </a:rPr>
-              <a:t> visuele editor</a:t>
-            </a:r>
-          </a:p>
-          <a:p>
-            <a:pPr lvl="1"/>
-            <a:r>
-              <a:rPr lang="nl-NL" dirty="0">
-                <a:ea typeface="+mn-lt"/>
-                <a:cs typeface="Calibri"/>
-              </a:rPr>
-              <a:t>Uitbreiden met externe input</a:t>
-            </a:r>
-            <a:endParaRPr lang="nl-NL" dirty="0">
-              <a:cs typeface="Calibri"/>
-            </a:endParaRPr>
-          </a:p>
-          <a:p>
-            <a:r>
-              <a:rPr lang="nl-NL" dirty="0">
-                <a:ea typeface="+mn-lt"/>
-                <a:cs typeface="Calibri"/>
-              </a:rPr>
-              <a:t>Fibonacci</a:t>
-            </a:r>
-          </a:p>
-          <a:p>
-            <a:r>
-              <a:rPr lang="nl-NL" dirty="0">
-                <a:ea typeface="+mn-lt"/>
-                <a:cs typeface="Calibri"/>
-              </a:rPr>
-              <a:t>Memory</a:t>
-            </a:r>
-          </a:p>
-          <a:p>
-            <a:r>
-              <a:rPr lang="nl-NL" dirty="0">
-                <a:ea typeface="+mn-lt"/>
-                <a:cs typeface="Calibri"/>
-              </a:rPr>
-              <a:t>Game of life </a:t>
-            </a:r>
-            <a:r>
-              <a:rPr lang="nl-NL" dirty="0" err="1">
-                <a:ea typeface="+mn-lt"/>
-                <a:cs typeface="Calibri"/>
-              </a:rPr>
-              <a:t>mbv</a:t>
-            </a:r>
-            <a:r>
-              <a:rPr lang="nl-NL" dirty="0">
-                <a:ea typeface="+mn-lt"/>
-                <a:cs typeface="Calibri"/>
-              </a:rPr>
-              <a:t> </a:t>
-            </a:r>
-            <a:r>
-              <a:rPr lang="nl-NL" dirty="0" err="1">
-                <a:ea typeface="+mn-lt"/>
-                <a:cs typeface="Calibri"/>
-              </a:rPr>
-              <a:t>Webgl</a:t>
-            </a:r>
-            <a:r>
-              <a:rPr lang="nl-NL" dirty="0">
-                <a:ea typeface="+mn-lt"/>
-                <a:cs typeface="Calibri"/>
-              </a:rPr>
-              <a:t> en </a:t>
-            </a:r>
-            <a:r>
-              <a:rPr lang="nl-NL" dirty="0" err="1">
-                <a:ea typeface="+mn-lt"/>
-                <a:cs typeface="Calibri"/>
-              </a:rPr>
-              <a:t>Webassembly</a:t>
-            </a:r>
-            <a:endParaRPr lang="nl-NL" dirty="0">
-              <a:ea typeface="+mn-lt"/>
-              <a:cs typeface="Calibri"/>
-            </a:endParaRPr>
-          </a:p>
-          <a:p>
-            <a:r>
-              <a:rPr lang="nl-NL" dirty="0">
-                <a:ea typeface="+mn-lt"/>
-                <a:cs typeface="Calibri"/>
-              </a:rPr>
-              <a:t>Wasmer3 / WASI</a:t>
-            </a:r>
-          </a:p>
-          <a:p>
-            <a:endParaRPr lang="nl-NL" dirty="0">
-              <a:ea typeface="+mn-lt"/>
-              <a:cs typeface="Calibri"/>
-            </a:endParaRPr>
-          </a:p>
           <a:p>
             <a:pPr marL="0" indent="0">
               <a:buNone/>
             </a:pPr>
-            <a:endParaRPr lang="nl-NL" dirty="0">
-              <a:ea typeface="+mn-lt"/>
-              <a:cs typeface="Calibri"/>
-            </a:endParaRPr>
-          </a:p>
-          <a:p>
-            <a:endParaRPr lang="nl-NL" dirty="0">
-              <a:ea typeface="+mn-lt"/>
-              <a:cs typeface="+mn-lt"/>
-            </a:endParaRPr>
-          </a:p>
-          <a:p>
-            <a:pPr lvl="1"/>
-            <a:endParaRPr lang="nl-NL" dirty="0">
-              <a:cs typeface="Calibri"/>
-            </a:endParaRPr>
-          </a:p>
-          <a:p>
-            <a:endParaRPr lang="nl-NL" dirty="0">
-              <a:cs typeface="Calibri"/>
-            </a:endParaRPr>
-          </a:p>
-          <a:p>
-            <a:endParaRPr lang="nl-NL" dirty="0">
-              <a:cs typeface="Calibri"/>
-            </a:endParaRPr>
+            <a:r>
+              <a:rPr lang="nl-NL" dirty="0">
+                <a:latin typeface="Consolas" panose="020B0609020204030204" pitchFamily="49" charset="0"/>
+              </a:rPr>
+              <a:t>let importObject = {</a:t>
+            </a:r>
+          </a:p>
+          <a:p>
+            <a:pPr marL="0" indent="0">
+              <a:buNone/>
+            </a:pPr>
+            <a:r>
+              <a:rPr lang="nl-NL" dirty="0">
+                <a:latin typeface="Consolas" panose="020B0609020204030204" pitchFamily="49" charset="0"/>
+              </a:rPr>
+              <a:t>  imports: {</a:t>
+            </a:r>
+          </a:p>
+          <a:p>
+            <a:pPr marL="0" indent="0">
+              <a:buNone/>
+            </a:pPr>
+            <a:r>
+              <a:rPr lang="nl-NL" dirty="0">
+                <a:latin typeface="Consolas" panose="020B0609020204030204" pitchFamily="49" charset="0"/>
+              </a:rPr>
+              <a:t>    log: (arg) =&gt; {</a:t>
+            </a:r>
+          </a:p>
+          <a:p>
+            <a:pPr marL="0" indent="0">
+              <a:buNone/>
+            </a:pPr>
+            <a:r>
+              <a:rPr lang="nl-NL" dirty="0">
+                <a:latin typeface="Consolas" panose="020B0609020204030204" pitchFamily="49" charset="0"/>
+              </a:rPr>
+              <a:t>      console.log("log from wasm", arg)</a:t>
+            </a:r>
+          </a:p>
+          <a:p>
+            <a:pPr marL="0" indent="0">
+              <a:buNone/>
+            </a:pPr>
+            <a:r>
+              <a:rPr lang="nl-NL" dirty="0">
+                <a:latin typeface="Consolas" panose="020B0609020204030204" pitchFamily="49" charset="0"/>
+              </a:rPr>
+              <a:t>    }</a:t>
+            </a:r>
+          </a:p>
+          <a:p>
+            <a:pPr marL="0" indent="0">
+              <a:buNone/>
+            </a:pPr>
+            <a:r>
+              <a:rPr lang="nl-NL" dirty="0">
+                <a:latin typeface="Consolas" panose="020B0609020204030204" pitchFamily="49" charset="0"/>
+              </a:rPr>
+              <a:t>  },</a:t>
+            </a:r>
+          </a:p>
+          <a:p>
+            <a:pPr marL="0" indent="0">
+              <a:buNone/>
+            </a:pPr>
+            <a:r>
+              <a:rPr lang="nl-NL" dirty="0">
+                <a:latin typeface="Consolas" panose="020B0609020204030204" pitchFamily="49" charset="0"/>
+              </a:rPr>
+              <a:t>};</a:t>
+            </a:r>
+          </a:p>
+          <a:p>
+            <a:pPr marL="0" indent="0">
+              <a:buNone/>
+            </a:pPr>
+            <a:br>
+              <a:rPr lang="nl-NL" dirty="0">
+                <a:latin typeface="Consolas" panose="020B0609020204030204" pitchFamily="49" charset="0"/>
+              </a:rPr>
+            </a:br>
+            <a:r>
+              <a:rPr lang="nl-NL" dirty="0">
+                <a:latin typeface="Consolas" panose="020B0609020204030204" pitchFamily="49" charset="0"/>
+              </a:rPr>
+              <a:t>const wasmModule = new Uint8Array([   </a:t>
+            </a:r>
+          </a:p>
+          <a:p>
+            <a:pPr marL="0" indent="0">
+              <a:buNone/>
+            </a:pPr>
+            <a:r>
+              <a:rPr lang="nl-NL" dirty="0">
+                <a:latin typeface="Consolas" panose="020B0609020204030204" pitchFamily="49" charset="0"/>
+              </a:rPr>
+              <a:t>  0x00,0x61,0x73,0x6D,0x01,0x00,0x00,0x00,0x01,0x0A,0x02,0x60,0x01,0x7F,0x00,0x60,</a:t>
+            </a:r>
+          </a:p>
+          <a:p>
+            <a:pPr marL="0" indent="0">
+              <a:buNone/>
+            </a:pPr>
+            <a:r>
+              <a:rPr lang="nl-NL" dirty="0">
+                <a:latin typeface="Consolas" panose="020B0609020204030204" pitchFamily="49" charset="0"/>
+              </a:rPr>
+              <a:t>  0x02,0x7F,0x7F,0x00,0x02,0x0F,0x01,0x07,0x69,0x6D,0x70,0x6F,0x72,0x74,0x73,0x03,    </a:t>
+            </a:r>
+          </a:p>
+          <a:p>
+            <a:pPr marL="0" indent="0">
+              <a:buNone/>
+            </a:pPr>
+            <a:r>
+              <a:rPr lang="nl-NL" dirty="0">
+                <a:latin typeface="Consolas" panose="020B0609020204030204" pitchFamily="49" charset="0"/>
+              </a:rPr>
+              <a:t>  0x6C,0x6F,0x67,0x00,0x00,0x03,0x02,0x01,0x01,0x07,0x06,0x01,0x02,0x64,0x6F,0x00,    </a:t>
+            </a:r>
+          </a:p>
+          <a:p>
+            <a:pPr marL="0" indent="0">
+              <a:buNone/>
+            </a:pPr>
+            <a:r>
+              <a:rPr lang="nl-NL" dirty="0">
+                <a:latin typeface="Consolas" panose="020B0609020204030204" pitchFamily="49" charset="0"/>
+              </a:rPr>
+              <a:t>  0x01,0x0A,0x0B,0x01,0x09,0x00,0x20,0x00,0x20,0x01,0x6A,0x10,0x00,0x0B</a:t>
+            </a:r>
+          </a:p>
+          <a:p>
+            <a:pPr marL="0" indent="0">
+              <a:buNone/>
+            </a:pPr>
+            <a:r>
+              <a:rPr lang="nl-NL" dirty="0">
+                <a:latin typeface="Consolas" panose="020B0609020204030204" pitchFamily="49" charset="0"/>
+              </a:rPr>
+              <a:t>]);          </a:t>
+            </a:r>
+          </a:p>
+          <a:p>
+            <a:pPr marL="0" indent="0">
+              <a:buNone/>
+            </a:pPr>
+            <a:br>
+              <a:rPr lang="nl-NL" dirty="0">
+                <a:latin typeface="Consolas" panose="020B0609020204030204" pitchFamily="49" charset="0"/>
+              </a:rPr>
+            </a:br>
+            <a:r>
+              <a:rPr lang="nl-NL" dirty="0">
+                <a:latin typeface="Consolas" panose="020B0609020204030204" pitchFamily="49" charset="0"/>
+              </a:rPr>
+              <a:t>WebAssembly.instantiate(wasmModule, importObject).then(obj =&gt; {</a:t>
+            </a:r>
+          </a:p>
+          <a:p>
+            <a:pPr marL="0" indent="0">
+              <a:buNone/>
+            </a:pPr>
+            <a:r>
+              <a:rPr lang="nl-NL" dirty="0">
+                <a:latin typeface="Consolas" panose="020B0609020204030204" pitchFamily="49" charset="0"/>
+              </a:rPr>
+              <a:t>    obj.instance.exports.do(100, 200);    </a:t>
+            </a:r>
+          </a:p>
+          <a:p>
+            <a:pPr marL="0" indent="0">
+              <a:buNone/>
+            </a:pPr>
+            <a:r>
+              <a:rPr lang="nl-NL" dirty="0">
+                <a:latin typeface="Consolas" panose="020B0609020204030204" pitchFamily="49" charset="0"/>
+              </a:rPr>
+              <a:t>});</a:t>
+            </a:r>
           </a:p>
         </p:txBody>
       </p:sp>
     </p:spTree>
     <p:extLst>
       <p:ext uri="{BB962C8B-B14F-4D97-AF65-F5344CB8AC3E}">
-        <p14:creationId xmlns:p14="http://schemas.microsoft.com/office/powerpoint/2010/main" val="2932251454"/>
+        <p14:creationId xmlns:p14="http://schemas.microsoft.com/office/powerpoint/2010/main" val="3739798545"/>
       </p:ext>
     </p:extLst>
   </p:cSld>
@@ -11311,7 +11188,7 @@
               <a:rPr lang="nl-NL" dirty="0">
                 <a:cs typeface="Calibri Light"/>
               </a:rPr>
-              <a:t>Het meest eenvoudige programma</a:t>
+              <a:t>Demo’s</a:t>
             </a:r>
             <a:endParaRPr lang="nl-NL" dirty="0"/>
           </a:p>
@@ -11341,6 +11218,281 @@
           <a:lstStyle/>
           <a:p>
             <a:r>
+              <a:rPr lang="nl-NL" dirty="0" err="1">
+                <a:cs typeface="Calibri"/>
+              </a:rPr>
+              <a:t>Webassembly</a:t>
+            </a:r>
+            <a:r>
+              <a:rPr lang="nl-NL" dirty="0">
+                <a:cs typeface="Calibri"/>
+              </a:rPr>
+              <a:t> vanaf de </a:t>
+            </a:r>
+            <a:r>
+              <a:rPr lang="nl-NL" dirty="0" err="1">
+                <a:cs typeface="Calibri"/>
+              </a:rPr>
+              <a:t>command</a:t>
+            </a:r>
+            <a:r>
+              <a:rPr lang="nl-NL" dirty="0">
+                <a:cs typeface="Calibri"/>
+              </a:rPr>
+              <a:t>-line </a:t>
+            </a:r>
+            <a:r>
+              <a:rPr lang="nl-NL" dirty="0" err="1">
+                <a:cs typeface="Calibri"/>
+              </a:rPr>
+              <a:t>mbv</a:t>
+            </a:r>
+            <a:r>
+              <a:rPr lang="nl-NL" dirty="0">
+                <a:cs typeface="Calibri"/>
+              </a:rPr>
+              <a:t> WABT</a:t>
+            </a:r>
+            <a:endParaRPr lang="nl-NL" dirty="0">
+              <a:ea typeface="+mn-lt"/>
+              <a:cs typeface="Calibri"/>
+            </a:endParaRPr>
+          </a:p>
+          <a:p>
+            <a:r>
+              <a:rPr lang="nl-NL" dirty="0">
+                <a:ea typeface="+mn-lt"/>
+                <a:cs typeface="Calibri"/>
+              </a:rPr>
+              <a:t>Eenvoudigste programma </a:t>
+            </a:r>
+            <a:r>
+              <a:rPr lang="nl-NL" dirty="0" err="1">
+                <a:ea typeface="+mn-lt"/>
+                <a:cs typeface="Calibri"/>
+              </a:rPr>
+              <a:t>mbv</a:t>
+            </a:r>
+            <a:r>
+              <a:rPr lang="nl-NL" dirty="0">
+                <a:ea typeface="+mn-lt"/>
+                <a:cs typeface="Calibri"/>
+              </a:rPr>
+              <a:t> visuele editor</a:t>
+            </a:r>
+          </a:p>
+          <a:p>
+            <a:pPr lvl="1"/>
+            <a:r>
+              <a:rPr lang="nl-NL" dirty="0">
+                <a:ea typeface="+mn-lt"/>
+                <a:cs typeface="Calibri"/>
+              </a:rPr>
+              <a:t>Uitbreiden met externe input</a:t>
+            </a:r>
+            <a:endParaRPr lang="nl-NL" dirty="0">
+              <a:cs typeface="Calibri"/>
+            </a:endParaRPr>
+          </a:p>
+          <a:p>
+            <a:r>
+              <a:rPr lang="nl-NL" dirty="0">
+                <a:ea typeface="+mn-lt"/>
+                <a:cs typeface="Calibri"/>
+              </a:rPr>
+              <a:t>Fibonacci</a:t>
+            </a:r>
+          </a:p>
+          <a:p>
+            <a:r>
+              <a:rPr lang="nl-NL" dirty="0">
+                <a:ea typeface="+mn-lt"/>
+                <a:cs typeface="Calibri"/>
+              </a:rPr>
+              <a:t>Memory</a:t>
+            </a:r>
+          </a:p>
+          <a:p>
+            <a:r>
+              <a:rPr lang="nl-NL" dirty="0">
+                <a:ea typeface="+mn-lt"/>
+                <a:cs typeface="Calibri"/>
+              </a:rPr>
+              <a:t>Game of life </a:t>
+            </a:r>
+            <a:r>
+              <a:rPr lang="nl-NL" dirty="0" err="1">
+                <a:ea typeface="+mn-lt"/>
+                <a:cs typeface="Calibri"/>
+              </a:rPr>
+              <a:t>mbv</a:t>
+            </a:r>
+            <a:r>
+              <a:rPr lang="nl-NL" dirty="0">
+                <a:ea typeface="+mn-lt"/>
+                <a:cs typeface="Calibri"/>
+              </a:rPr>
+              <a:t> </a:t>
+            </a:r>
+            <a:r>
+              <a:rPr lang="nl-NL" dirty="0" err="1">
+                <a:ea typeface="+mn-lt"/>
+                <a:cs typeface="Calibri"/>
+              </a:rPr>
+              <a:t>Webgl</a:t>
+            </a:r>
+            <a:r>
+              <a:rPr lang="nl-NL" dirty="0">
+                <a:ea typeface="+mn-lt"/>
+                <a:cs typeface="Calibri"/>
+              </a:rPr>
+              <a:t> en </a:t>
+            </a:r>
+            <a:r>
+              <a:rPr lang="nl-NL" dirty="0" err="1">
+                <a:ea typeface="+mn-lt"/>
+                <a:cs typeface="Calibri"/>
+              </a:rPr>
+              <a:t>Webassembly</a:t>
+            </a:r>
+            <a:endParaRPr lang="nl-NL" dirty="0">
+              <a:ea typeface="+mn-lt"/>
+              <a:cs typeface="Calibri"/>
+            </a:endParaRPr>
+          </a:p>
+          <a:p>
+            <a:r>
+              <a:rPr lang="nl-NL" dirty="0">
+                <a:ea typeface="+mn-lt"/>
+                <a:cs typeface="Calibri"/>
+              </a:rPr>
+              <a:t>Wasmer3 / WASI</a:t>
+            </a:r>
+          </a:p>
+          <a:p>
+            <a:endParaRPr lang="nl-NL" dirty="0">
+              <a:ea typeface="+mn-lt"/>
+              <a:cs typeface="Calibri"/>
+            </a:endParaRPr>
+          </a:p>
+          <a:p>
+            <a:pPr marL="0" indent="0">
+              <a:buNone/>
+            </a:pPr>
+            <a:endParaRPr lang="nl-NL" dirty="0">
+              <a:ea typeface="+mn-lt"/>
+              <a:cs typeface="Calibri"/>
+            </a:endParaRPr>
+          </a:p>
+          <a:p>
+            <a:endParaRPr lang="nl-NL" dirty="0">
+              <a:ea typeface="+mn-lt"/>
+              <a:cs typeface="+mn-lt"/>
+            </a:endParaRPr>
+          </a:p>
+          <a:p>
+            <a:pPr lvl="1"/>
+            <a:endParaRPr lang="nl-NL" dirty="0">
+              <a:cs typeface="Calibri"/>
+            </a:endParaRPr>
+          </a:p>
+          <a:p>
+            <a:endParaRPr lang="nl-NL" dirty="0">
+              <a:cs typeface="Calibri"/>
+            </a:endParaRPr>
+          </a:p>
+          <a:p>
+            <a:endParaRPr lang="nl-NL" dirty="0">
+              <a:cs typeface="Calibri"/>
+            </a:endParaRPr>
+          </a:p>
+        </p:txBody>
+      </p:sp>
+    </p:spTree>
+    <p:extLst>
+      <p:ext uri="{BB962C8B-B14F-4D97-AF65-F5344CB8AC3E}">
+        <p14:creationId xmlns:p14="http://schemas.microsoft.com/office/powerpoint/2010/main" val="2932251454"/>
+      </p:ext>
+    </p:extLst>
+  </p:cSld>
+  <p:clrMapOvr>
+    <a:masterClrMapping/>
+  </p:clrMapOvr>
+</p:sld>
+</file>
+
+<file path=ppt/slides/slide22.xml><?xml version="1.0" encoding="utf-8"?>
+<p:sld xmlns:a="http://schemas.openxmlformats.org/drawingml/2006/main" xmlns:r="http://schemas.openxmlformats.org/officeDocument/2006/relationships" xmlns:p="http://schemas.openxmlformats.org/presentationml/2006/main">
+  <p:cSld>
+    <p:spTree>
+      <p:nvGrpSpPr>
+        <p:cNvPr id="1" name=""/>
+        <p:cNvGrpSpPr/>
+        <p:nvPr/>
+      </p:nvGrpSpPr>
+      <p:grpSpPr>
+        <a:xfrm>
+          <a:off x="0" y="0"/>
+          <a:ext cx="0" cy="0"/>
+          <a:chOff x="0" y="0"/>
+          <a:chExt cx="0" cy="0"/>
+        </a:xfrm>
+      </p:grpSpPr>
+      <p:sp>
+        <p:nvSpPr>
+          <p:cNvPr id="2" name="Titel 1">
+            <a:extLst>
+              <a:ext uri="{FF2B5EF4-FFF2-40B4-BE49-F238E27FC236}">
+                <a16:creationId xmlns:a16="http://schemas.microsoft.com/office/drawing/2014/main" id="{4B96F5ED-0541-408B-B0BA-37A496B9B775}"/>
+              </a:ext>
+            </a:extLst>
+          </p:cNvPr>
+          <p:cNvSpPr>
+            <a:spLocks noGrp="1"/>
+          </p:cNvSpPr>
+          <p:nvPr>
+            <p:ph type="title"/>
+          </p:nvPr>
+        </p:nvSpPr>
+        <p:spPr/>
+        <p:txBody>
+          <a:bodyPr/>
+          <a:lstStyle/>
+          <a:p>
+            <a:r>
+              <a:rPr lang="nl-NL" dirty="0">
+                <a:cs typeface="Calibri Light"/>
+              </a:rPr>
+              <a:t>Het meest eenvoudige programma</a:t>
+            </a:r>
+            <a:endParaRPr lang="nl-NL" dirty="0"/>
+          </a:p>
+        </p:txBody>
+      </p:sp>
+      <p:sp>
+        <p:nvSpPr>
+          <p:cNvPr id="3" name="Tijdelijke aanduiding voor inhoud 2">
+            <a:extLst>
+              <a:ext uri="{FF2B5EF4-FFF2-40B4-BE49-F238E27FC236}">
+                <a16:creationId xmlns:a16="http://schemas.microsoft.com/office/drawing/2014/main" id="{47EF4B2F-A922-422C-BDF8-E0C400337467}"/>
+              </a:ext>
+            </a:extLst>
+          </p:cNvPr>
+          <p:cNvSpPr>
+            <a:spLocks noGrp="1"/>
+          </p:cNvSpPr>
+          <p:nvPr>
+            <p:ph idx="1"/>
+          </p:nvPr>
+        </p:nvSpPr>
+        <p:spPr/>
+        <p:txBody>
+          <a:bodyPr vert="horz" lIns="91440" tIns="45720" rIns="91440" bIns="45720" rtlCol="0" anchor="t">
+            <a:normAutofit/>
+          </a:bodyPr>
+          <a:lstStyle/>
+          <a:p>
+            <a:r>
               <a:rPr lang="en-GB" dirty="0" err="1">
                 <a:cs typeface="Calibri"/>
               </a:rPr>
@@ -11434,7 +11586,7 @@
 </p:sld>
 </file>
 
-<file path=ppt/slides/slide22.xml><?xml version="1.0" encoding="utf-8"?>
+<file path=ppt/slides/slide23.xml><?xml version="1.0" encoding="utf-8"?>
 <p:sld xmlns:a="http://schemas.openxmlformats.org/drawingml/2006/main" xmlns:r="http://schemas.openxmlformats.org/officeDocument/2006/relationships" xmlns:p="http://schemas.openxmlformats.org/presentationml/2006/main">
   <p:cSld>
     <p:spTree>
@@ -11497,7 +11649,7 @@
 </p:sld>
 </file>
 
-<file path=ppt/slides/slide23.xml><?xml version="1.0" encoding="utf-8"?>
+<file path=ppt/slides/slide24.xml><?xml version="1.0" encoding="utf-8"?>
 <p:sld xmlns:a="http://schemas.openxmlformats.org/drawingml/2006/main" xmlns:r="http://schemas.openxmlformats.org/officeDocument/2006/relationships" xmlns:p="http://schemas.openxmlformats.org/presentationml/2006/main">
   <p:cSld>
     <p:spTree>
@@ -11646,6 +11798,33 @@
             <a:endParaRPr lang="nl-NL" dirty="0"/>
           </a:p>
           <a:p>
+            <a:r>
+              <a:rPr lang="nl-NL" dirty="0" err="1"/>
+              <a:t>Custom</a:t>
+            </a:r>
+            <a:r>
+              <a:rPr lang="nl-NL" dirty="0"/>
+              <a:t> implementatie </a:t>
+            </a:r>
+            <a:r>
+              <a:rPr lang="nl-NL" dirty="0" err="1"/>
+              <a:t>mbv</a:t>
+            </a:r>
+            <a:r>
+              <a:rPr lang="nl-NL" dirty="0"/>
+              <a:t> double </a:t>
+            </a:r>
+            <a:r>
+              <a:rPr lang="nl-NL" dirty="0" err="1"/>
+              <a:t>linked</a:t>
+            </a:r>
+            <a:r>
+              <a:rPr lang="nl-NL"/>
+              <a:t> list</a:t>
+            </a:r>
+            <a:endParaRPr lang="nl-NL" dirty="0"/>
+          </a:p>
+          <a:p>
             <a:endParaRPr lang="en-NL" dirty="0"/>
           </a:p>
         </p:txBody>
@@ -11663,7 +11842,7 @@
 </p:sld>
 </file>
 
-<file path=ppt/slides/slide24.xml><?xml version="1.0" encoding="utf-8"?>
+<file path=ppt/slides/slide25.xml><?xml version="1.0" encoding="utf-8"?>
 <p:sld xmlns:a="http://schemas.openxmlformats.org/drawingml/2006/main" xmlns:r="http://schemas.openxmlformats.org/officeDocument/2006/relationships" xmlns:p="http://schemas.openxmlformats.org/presentationml/2006/main">
   <p:cSld>
     <p:spTree>
@@ -11726,7 +11905,7 @@
 </p:sld>
 </file>
 
-<file path=ppt/slides/slide25.xml><?xml version="1.0" encoding="utf-8"?>
+<file path=ppt/slides/slide26.xml><?xml version="1.0" encoding="utf-8"?>
 <p:sld xmlns:a="http://schemas.openxmlformats.org/drawingml/2006/main" xmlns:r="http://schemas.openxmlformats.org/officeDocument/2006/relationships" xmlns:p="http://schemas.openxmlformats.org/presentationml/2006/main">
   <p:cSld>
     <p:spTree>
@@ -11908,7 +12087,7 @@
 </p:sld>
 </file>
 
-<file path=ppt/slides/slide26.xml><?xml version="1.0" encoding="utf-8"?>
+<file path=ppt/slides/slide27.xml><?xml version="1.0" encoding="utf-8"?>
 <p:sld xmlns:a="http://schemas.openxmlformats.org/drawingml/2006/main" xmlns:r="http://schemas.openxmlformats.org/officeDocument/2006/relationships" xmlns:p="http://schemas.openxmlformats.org/presentationml/2006/main">
   <p:cSld>
     <p:spTree>
@@ -12885,177 +13064,6 @@
 </p:sld>
 </file>
 
-<file path=ppt/slides/slide27.xml><?xml version="1.0" encoding="utf-8"?>
-<p:sld xmlns:a="http://schemas.openxmlformats.org/drawingml/2006/main" xmlns:r="http://schemas.openxmlformats.org/officeDocument/2006/relationships" xmlns:p="http://schemas.openxmlformats.org/presentationml/2006/main">
-  <p:cSld>
-    <p:spTree>
-      <p:nvGrpSpPr>
-        <p:cNvPr id="1" name=""/>
-        <p:cNvGrpSpPr/>
-        <p:nvPr/>
-      </p:nvGrpSpPr>
-      <p:grpSpPr>
-        <a:xfrm>
-          <a:off x="0" y="0"/>
-          <a:ext cx="0" cy="0"/>
-          <a:chOff x="0" y="0"/>
-          <a:chExt cx="0" cy="0"/>
-        </a:xfrm>
-      </p:grpSpPr>
-      <p:sp>
-        <p:nvSpPr>
-          <p:cNvPr id="2" name="Titel 1">
-            <a:extLst>
-              <a:ext uri="{FF2B5EF4-FFF2-40B4-BE49-F238E27FC236}">
-                <a16:creationId xmlns:a16="http://schemas.microsoft.com/office/drawing/2014/main" id="{142F4CF4-FFA8-4A6F-82F7-F62F17CF1877}"/>
-              </a:ext>
-            </a:extLst>
-          </p:cNvPr>
-          <p:cNvSpPr>
-            <a:spLocks noGrp="1"/>
-          </p:cNvSpPr>
-          <p:nvPr>
-            <p:ph type="title"/>
-          </p:nvPr>
-        </p:nvSpPr>
-        <p:spPr/>
-        <p:txBody>
-          <a:bodyPr/>
-          <a:lstStyle/>
-          <a:p>
-            <a:r>
-              <a:rPr lang="nl-NL" dirty="0">
-                <a:cs typeface="Calibri Light"/>
-              </a:rPr>
-              <a:t>WASI</a:t>
-            </a:r>
-            <a:endParaRPr lang="nl-NL" dirty="0"/>
-          </a:p>
-        </p:txBody>
-      </p:sp>
-      <p:sp>
-        <p:nvSpPr>
-          <p:cNvPr id="3" name="Tijdelijke aanduiding voor inhoud 2">
-            <a:extLst>
-              <a:ext uri="{FF2B5EF4-FFF2-40B4-BE49-F238E27FC236}">
-                <a16:creationId xmlns:a16="http://schemas.microsoft.com/office/drawing/2014/main" id="{12981885-6766-402D-A7D4-770B0FD8429B}"/>
-              </a:ext>
-            </a:extLst>
-          </p:cNvPr>
-          <p:cNvSpPr>
-            <a:spLocks noGrp="1"/>
-          </p:cNvSpPr>
-          <p:nvPr>
-            <p:ph idx="1"/>
-          </p:nvPr>
-        </p:nvSpPr>
-        <p:spPr/>
-        <p:txBody>
-          <a:bodyPr vert="horz" lIns="91440" tIns="45720" rIns="91440" bIns="45720" rtlCol="0" anchor="t">
-            <a:normAutofit/>
-          </a:bodyPr>
-          <a:lstStyle/>
-          <a:p>
-            <a:r>
-              <a:rPr lang="nl-NL" dirty="0" err="1">
-                <a:cs typeface="Calibri"/>
-              </a:rPr>
-              <a:t>WebAssembly</a:t>
-            </a:r>
-            <a:r>
-              <a:rPr lang="nl-NL" dirty="0">
-                <a:cs typeface="Calibri"/>
-              </a:rPr>
-              <a:t> System Interface</a:t>
-            </a:r>
-          </a:p>
-          <a:p>
-            <a:r>
-              <a:rPr lang="nl-NL" dirty="0">
-                <a:cs typeface="Calibri"/>
-              </a:rPr>
-              <a:t>Gebruik buiten de browser zonder </a:t>
-            </a:r>
-            <a:r>
-              <a:rPr lang="nl-NL" dirty="0" err="1">
-                <a:cs typeface="Calibri"/>
-              </a:rPr>
-              <a:t>js</a:t>
-            </a:r>
-            <a:r>
-              <a:rPr lang="nl-NL" dirty="0">
-                <a:cs typeface="Calibri"/>
-              </a:rPr>
-              <a:t> met andere WASM </a:t>
-            </a:r>
-            <a:r>
-              <a:rPr lang="nl-NL" dirty="0" err="1">
-                <a:cs typeface="Calibri"/>
-              </a:rPr>
-              <a:t>runtimes</a:t>
-            </a:r>
-            <a:endParaRPr lang="nl-NL" dirty="0">
-              <a:cs typeface="Calibri"/>
-            </a:endParaRPr>
-          </a:p>
-          <a:p>
-            <a:r>
-              <a:rPr lang="nl-NL" dirty="0">
-                <a:cs typeface="Calibri"/>
-                <a:hlinkClick r:id="rId2"/>
-              </a:rPr>
-              <a:t>https://wasi.dev/</a:t>
-            </a:r>
-            <a:endParaRPr lang="nl-NL" dirty="0">
-              <a:cs typeface="Calibri"/>
-            </a:endParaRPr>
-          </a:p>
-          <a:p>
-            <a:r>
-              <a:rPr lang="nl-NL" dirty="0">
-                <a:cs typeface="Calibri"/>
-              </a:rPr>
-              <a:t>Doel : Gestandaardiseerde interface voor WASM modules</a:t>
-            </a:r>
-          </a:p>
-          <a:p>
-            <a:r>
-              <a:rPr lang="nl-NL" dirty="0" err="1">
-                <a:cs typeface="Calibri"/>
-              </a:rPr>
-              <a:t>Work</a:t>
-            </a:r>
-            <a:r>
-              <a:rPr lang="nl-NL" dirty="0">
-                <a:cs typeface="Calibri"/>
-              </a:rPr>
-              <a:t> in </a:t>
-            </a:r>
-            <a:r>
-              <a:rPr lang="nl-NL" dirty="0" err="1">
-                <a:cs typeface="Calibri"/>
-              </a:rPr>
-              <a:t>progress</a:t>
-            </a:r>
-            <a:endParaRPr lang="nl-NL" dirty="0">
-              <a:cs typeface="Calibri"/>
-            </a:endParaRPr>
-          </a:p>
-        </p:txBody>
-      </p:sp>
-    </p:spTree>
-    <p:extLst>
-      <p:ext uri="{BB962C8B-B14F-4D97-AF65-F5344CB8AC3E}">
-        <p14:creationId xmlns:p14="http://schemas.microsoft.com/office/powerpoint/2010/main" val="159113696"/>
-      </p:ext>
-    </p:extLst>
-  </p:cSld>
-  <p:clrMapOvr>
-    <a:masterClrMapping/>
-  </p:clrMapOvr>
-</p:sld>
-</file>
-
 <file path=ppt/slides/slide28.xml><?xml version="1.0" encoding="utf-8"?>
 <p:sld xmlns:a="http://schemas.openxmlformats.org/drawingml/2006/main" xmlns:r="http://schemas.openxmlformats.org/officeDocument/2006/relationships" xmlns:p="http://schemas.openxmlformats.org/presentationml/2006/main">
   <p:cSld>
@@ -13098,7 +13106,7 @@
               <a:rPr lang="nl-NL" dirty="0">
                 <a:cs typeface="Calibri Light"/>
               </a:rPr>
-              <a:t>Conclusies</a:t>
+              <a:t>WASI</a:t>
             </a:r>
             <a:endParaRPr lang="nl-NL" dirty="0"/>
           </a:p>
@@ -13128,42 +13136,42 @@
           <a:lstStyle/>
           <a:p>
             <a:r>
-              <a:rPr lang="nl-NL" dirty="0">
-                <a:cs typeface="Calibri"/>
-              </a:rPr>
-              <a:t>Schrijf geen </a:t>
-            </a:r>
-            <a:r>
               <a:rPr lang="nl-NL" dirty="0" err="1">
                 <a:cs typeface="Calibri"/>
               </a:rPr>
-              <a:t>webassembly</a:t>
-            </a:r>
-            <a:r>
-              <a:rPr lang="nl-NL" dirty="0">
-                <a:cs typeface="Calibri"/>
-              </a:rPr>
-              <a:t> met de hand!</a:t>
-            </a:r>
-          </a:p>
-          <a:p>
+              <a:t>WebAssembly</a:t>
+            </a:r>
+            <a:r>
+              <a:rPr lang="nl-NL" dirty="0">
+                <a:cs typeface="Calibri"/>
+              </a:rPr>
+              <a:t> System Interface</a:t>
+            </a:r>
+          </a:p>
+          <a:p>
+            <a:r>
+              <a:rPr lang="nl-NL" dirty="0">
+                <a:cs typeface="Calibri"/>
+              </a:rPr>
+              <a:t>Gebruik buiten de browser zonder </a:t>
+            </a:r>
             <a:r>
               <a:rPr lang="nl-NL" dirty="0" err="1">
                 <a:cs typeface="Calibri"/>
               </a:rPr>
-              <a:t>Webassembly</a:t>
-            </a:r>
-            <a:r>
-              <a:rPr lang="nl-NL" dirty="0">
-                <a:cs typeface="Calibri"/>
-              </a:rPr>
-              <a:t> heeft geen toegang tot de DOM of andere </a:t>
+              <a:t>js</a:t>
+            </a:r>
+            <a:r>
+              <a:rPr lang="nl-NL" dirty="0">
+                <a:cs typeface="Calibri"/>
+              </a:rPr>
+              <a:t> met andere WASM </a:t>
             </a:r>
             <a:r>
               <a:rPr lang="nl-NL" dirty="0" err="1">
                 <a:cs typeface="Calibri"/>
               </a:rPr>
-              <a:t>api’s</a:t>
+              <a:t>runtimes</a:t>
             </a:r>
             <a:endParaRPr lang="nl-NL" dirty="0">
               <a:cs typeface="Calibri"/>
@@ -13173,16 +13181,20 @@
             <a:r>
               <a:rPr lang="nl-NL" dirty="0">
                 <a:cs typeface="Calibri"/>
-              </a:rPr>
-              <a:t>Memory en code zijn gescheiden voor verbeterde beveiliging!</a:t>
-            </a:r>
-          </a:p>
-          <a:p>
-            <a:r>
-              <a:rPr lang="nl-NL" dirty="0">
-                <a:cs typeface="Calibri"/>
-              </a:rPr>
-              <a:t>Webassembly is meestal sneller dan javascript, het is op zijn minst consistent</a:t>
+                <a:hlinkClick r:id="rId2"/>
+              </a:rPr>
+              <a:t>https://wasi.dev/</a:t>
+            </a:r>
+            <a:endParaRPr lang="nl-NL" dirty="0">
+              <a:cs typeface="Calibri"/>
+            </a:endParaRPr>
+          </a:p>
+          <a:p>
+            <a:r>
+              <a:rPr lang="nl-NL" dirty="0">
+                <a:cs typeface="Calibri"/>
+              </a:rPr>
+              <a:t>Doel : Gestandaardiseerde interface voor WASM modules</a:t>
             </a:r>
           </a:p>
           <a:p>
@@ -13190,35 +13202,30 @@
               <a:rPr lang="nl-NL" dirty="0" err="1">
                 <a:cs typeface="Calibri"/>
               </a:rPr>
-              <a:t>Webassembly</a:t>
-            </a:r>
-            <a:r>
-              <a:rPr lang="nl-NL" dirty="0">
-                <a:cs typeface="Calibri"/>
-              </a:rPr>
-              <a:t> maakt het mogelijk om andere talen te kunnen gebruiken in de browser naast JS</a:t>
-            </a:r>
-          </a:p>
-          <a:p>
+              <a:t>Work</a:t>
+            </a:r>
+            <a:r>
+              <a:rPr lang="nl-NL" dirty="0">
+                <a:cs typeface="Calibri"/>
+              </a:rPr>
+              <a:t> in </a:t>
+            </a:r>
             <a:r>
               <a:rPr lang="nl-NL" dirty="0" err="1">
                 <a:cs typeface="Calibri"/>
               </a:rPr>
-              <a:t>Webassembly</a:t>
-            </a:r>
-            <a:r>
-              <a:rPr lang="nl-NL" dirty="0">
-                <a:cs typeface="Calibri"/>
-              </a:rPr>
-              <a:t> is niet beperkt tot gebruik binnen de browser…</a:t>
-            </a:r>
+              <a:t>progress</a:t>
+            </a:r>
+            <a:endParaRPr lang="nl-NL" dirty="0">
+              <a:cs typeface="Calibri"/>
+            </a:endParaRPr>
           </a:p>
         </p:txBody>
       </p:sp>
     </p:spTree>
     <p:extLst>
       <p:ext uri="{BB962C8B-B14F-4D97-AF65-F5344CB8AC3E}">
-        <p14:creationId xmlns:p14="http://schemas.microsoft.com/office/powerpoint/2010/main" val="1641914390"/>
+        <p14:creationId xmlns:p14="http://schemas.microsoft.com/office/powerpoint/2010/main" val="159113696"/>
       </p:ext>
     </p:extLst>
   </p:cSld>
@@ -13270,7 +13277,7 @@
               <a:rPr lang="nl-NL" dirty="0">
                 <a:cs typeface="Calibri Light"/>
               </a:rPr>
-              <a:t>Webassembly in het wild</a:t>
+              <a:t>Conclusies</a:t>
             </a:r>
             <a:endParaRPr lang="nl-NL" dirty="0"/>
           </a:p>
@@ -13303,55 +13310,39 @@
               <a:rPr lang="nl-NL" dirty="0">
                 <a:cs typeface="Calibri"/>
               </a:rPr>
-              <a:t>Figma</a:t>
-            </a:r>
-          </a:p>
-          <a:p>
-            <a:r>
-              <a:rPr lang="nl-NL" dirty="0">
-                <a:cs typeface="Calibri"/>
-              </a:rPr>
-              <a:t>Photoshop</a:t>
-            </a:r>
-          </a:p>
-          <a:p>
-            <a:r>
-              <a:rPr lang="nl-NL" dirty="0">
-                <a:cs typeface="Calibri"/>
-              </a:rPr>
-              <a:t>Autocad web-app</a:t>
-            </a:r>
-          </a:p>
-          <a:p>
-            <a:r>
-              <a:rPr lang="nl-NL" dirty="0">
-                <a:cs typeface="Calibri"/>
-              </a:rPr>
-              <a:t>Google Earth</a:t>
-            </a:r>
-          </a:p>
-          <a:p>
-            <a:r>
-              <a:rPr lang="nl-NL" dirty="0">
-                <a:cs typeface="Calibri"/>
-              </a:rPr>
-              <a:t>Makepad.dev</a:t>
-            </a:r>
-          </a:p>
-          <a:p>
-            <a:r>
-              <a:rPr lang="nl-NL" dirty="0">
-                <a:cs typeface="Calibri"/>
-              </a:rPr>
-              <a:t>Amazon Primevideo</a:t>
-            </a:r>
-          </a:p>
-          <a:p>
+              <a:t>Schrijf geen </a:t>
+            </a:r>
             <a:r>
               <a:rPr lang="nl-NL" dirty="0" err="1">
                 <a:cs typeface="Calibri"/>
               </a:rPr>
-              <a:t>LibreOffice</a:t>
+              <a:t>webassembly</a:t>
+            </a:r>
+            <a:r>
+              <a:rPr lang="nl-NL" dirty="0">
+                <a:cs typeface="Calibri"/>
+              </a:rPr>
+              <a:t> met de hand!</a:t>
+            </a:r>
+          </a:p>
+          <a:p>
+            <a:r>
+              <a:rPr lang="nl-NL" dirty="0" err="1">
+                <a:cs typeface="Calibri"/>
+              </a:rPr>
+              <a:t>Webassembly</a:t>
+            </a:r>
+            <a:r>
+              <a:rPr lang="nl-NL" dirty="0">
+                <a:cs typeface="Calibri"/>
+              </a:rPr>
+              <a:t> heeft geen toegang tot de DOM of andere </a:t>
+            </a:r>
+            <a:r>
+              <a:rPr lang="nl-NL" dirty="0" err="1">
+                <a:cs typeface="Calibri"/>
+              </a:rPr>
+              <a:t>api’s</a:t>
             </a:r>
             <a:endParaRPr lang="nl-NL" dirty="0">
               <a:cs typeface="Calibri"/>
@@ -13362,41 +13353,51 @@
               <a:rPr lang="nl-NL" dirty="0">
                 <a:cs typeface="Calibri"/>
               </a:rPr>
-              <a:t>Server-side: </a:t>
-            </a:r>
+              <a:t>Memory en code zijn gescheiden voor verbeterde beveiliging!</a:t>
+            </a:r>
+          </a:p>
+          <a:p>
+            <a:r>
+              <a:rPr lang="nl-NL" dirty="0">
+                <a:cs typeface="Calibri"/>
+              </a:rPr>
+              <a:t>Webassembly is meestal sneller dan javascript, het is op zijn minst consistent</a:t>
+            </a:r>
+          </a:p>
+          <a:p>
             <a:r>
               <a:rPr lang="nl-NL" dirty="0" err="1">
                 <a:cs typeface="Calibri"/>
               </a:rPr>
-              <a:t>Cloudflare</a:t>
-            </a:r>
-            <a:r>
-              <a:rPr lang="nl-NL" dirty="0">
-                <a:cs typeface="Calibri"/>
-              </a:rPr>
-              <a:t> en </a:t>
-            </a:r>
+              <a:t>Webassembly</a:t>
+            </a:r>
+            <a:r>
+              <a:rPr lang="nl-NL" dirty="0">
+                <a:cs typeface="Calibri"/>
+              </a:rPr>
+              <a:t> maakt het mogelijk om andere talen te kunnen gebruiken in de browser naast JS</a:t>
+            </a:r>
+          </a:p>
+          <a:p>
             <a:r>
               <a:rPr lang="nl-NL" dirty="0" err="1">
                 <a:cs typeface="Calibri"/>
               </a:rPr>
-              <a:t>Fastly</a:t>
-            </a:r>
-            <a:endParaRPr lang="nl-NL" dirty="0">
-              <a:cs typeface="Calibri"/>
-            </a:endParaRPr>
-          </a:p>
-          <a:p>
-            <a:endParaRPr lang="nl-NL" dirty="0">
-              <a:cs typeface="Calibri"/>
-            </a:endParaRPr>
+              <a:t>Webassembly</a:t>
+            </a:r>
+            <a:r>
+              <a:rPr lang="nl-NL" dirty="0">
+                <a:cs typeface="Calibri"/>
+              </a:rPr>
+              <a:t> is niet beperkt tot gebruik binnen de browser…</a:t>
+            </a:r>
           </a:p>
         </p:txBody>
       </p:sp>
     </p:spTree>
     <p:extLst>
       <p:ext uri="{BB962C8B-B14F-4D97-AF65-F5344CB8AC3E}">
-        <p14:creationId xmlns:p14="http://schemas.microsoft.com/office/powerpoint/2010/main" val="829322407"/>
+        <p14:creationId xmlns:p14="http://schemas.microsoft.com/office/powerpoint/2010/main" val="1641914390"/>
       </p:ext>
     </p:extLst>
   </p:cSld>
@@ -13486,30 +13487,20 @@
             </a:r>
           </a:p>
           <a:p>
-            <a:r>
-              <a:rPr lang="nl-NL" dirty="0">
+            <a:pPr lvl="1"/>
+            <a:r>
+              <a:rPr lang="nl-NL" dirty="0" err="1">
                 <a:ea typeface="+mn-lt"/>
                 <a:cs typeface="Calibri"/>
               </a:rPr>
-              <a:t>Uitersten</a:t>
-            </a:r>
-          </a:p>
-          <a:p>
+              <a:t>Executable</a:t>
+            </a:r>
             <a:r>
               <a:rPr lang="nl-NL" dirty="0">
                 <a:ea typeface="+mn-lt"/>
                 <a:cs typeface="Calibri"/>
               </a:rPr>
-              <a:t>Bestaande visuele programmeer omgevingen</a:t>
-            </a:r>
-          </a:p>
-          <a:p>
-            <a:r>
-              <a:rPr lang="nl-NL" dirty="0">
-                <a:ea typeface="+mn-lt"/>
-                <a:cs typeface="Calibri"/>
-              </a:rPr>
-              <a:t>Flow </a:t>
+              <a:t> Flow </a:t>
             </a:r>
             <a:r>
               <a:rPr lang="nl-NL" dirty="0" err="1">
@@ -13522,6 +13513,24 @@
               <a:ea typeface="+mn-lt"/>
               <a:cs typeface="Calibri"/>
             </a:endParaRPr>
+          </a:p>
+          <a:p>
+            <a:r>
+              <a:rPr lang="nl-NL" dirty="0">
+                <a:ea typeface="+mn-lt"/>
+                <a:cs typeface="Calibri"/>
+              </a:rPr>
+              <a:t>Uitersten</a:t>
+            </a:r>
+          </a:p>
+          <a:p>
+            <a:r>
+              <a:rPr lang="nl-NL" dirty="0">
+                <a:ea typeface="+mn-lt"/>
+                <a:cs typeface="Calibri"/>
+              </a:rPr>
+              <a:t>Bestaande visuele programmeer omgevingen</a:t>
+            </a:r>
           </a:p>
           <a:p>
             <a:r>
@@ -13598,7 +13607,7 @@
           <p:cNvPr id="2" name="Titel 1">
             <a:extLst>
               <a:ext uri="{FF2B5EF4-FFF2-40B4-BE49-F238E27FC236}">
-                <a16:creationId xmlns:a16="http://schemas.microsoft.com/office/drawing/2014/main" id="{24163FEC-C4A6-4487-99DD-2D94170652DB}"/>
+                <a16:creationId xmlns:a16="http://schemas.microsoft.com/office/drawing/2014/main" id="{142F4CF4-FFA8-4A6F-82F7-F62F17CF1877}"/>
               </a:ext>
             </a:extLst>
           </p:cNvPr>
@@ -13618,7 +13627,7 @@
               <a:rPr lang="nl-NL" dirty="0">
                 <a:cs typeface="Calibri Light"/>
               </a:rPr>
-              <a:t>Links</a:t>
+              <a:t>Webassembly in het wild</a:t>
             </a:r>
             <a:endParaRPr lang="nl-NL" dirty="0"/>
           </a:p>
@@ -13629,7 +13638,7 @@
           <p:cNvPr id="3" name="Tijdelijke aanduiding voor inhoud 2">
             <a:extLst>
               <a:ext uri="{FF2B5EF4-FFF2-40B4-BE49-F238E27FC236}">
-                <a16:creationId xmlns:a16="http://schemas.microsoft.com/office/drawing/2014/main" id="{87578E1C-88E9-4F17-9372-61EABA95C2A6}"/>
+                <a16:creationId xmlns:a16="http://schemas.microsoft.com/office/drawing/2014/main" id="{12981885-6766-402D-A7D4-770B0FD8429B}"/>
               </a:ext>
             </a:extLst>
           </p:cNvPr>
@@ -13643,180 +13652,108 @@
         <p:spPr/>
         <p:txBody>
           <a:bodyPr vert="horz" lIns="91440" tIns="45720" rIns="91440" bIns="45720" rtlCol="0" anchor="t">
-            <a:noAutofit/>
+            <a:normAutofit/>
           </a:bodyPr>
           <a:lstStyle/>
           <a:p>
-            <a:pPr marL="0" indent="0">
-              <a:buNone/>
-            </a:pPr>
-            <a:r>
-              <a:rPr lang="en-GB" sz="1600" b="1" dirty="0">
-                <a:cs typeface="Calibri"/>
-              </a:rPr>
-              <a:t>Repository met </a:t>
-            </a:r>
-            <a:r>
-              <a:rPr lang="en-GB" sz="1600" b="1" dirty="0" err="1">
-                <a:cs typeface="Calibri"/>
-              </a:rPr>
-              <a:t>voorbeelden</a:t>
-            </a:r>
-            <a:r>
-              <a:rPr lang="en-GB" sz="1600" b="1" dirty="0">
-                <a:cs typeface="Calibri"/>
-              </a:rPr>
-              <a:t> </a:t>
-            </a:r>
-            <a:r>
-              <a:rPr lang="en-GB" sz="1600" b="1" dirty="0" err="1">
-                <a:cs typeface="Calibri"/>
-              </a:rPr>
-              <a:t>uit</a:t>
-            </a:r>
-            <a:r>
-              <a:rPr lang="en-GB" sz="1600" b="1" dirty="0">
-                <a:cs typeface="Calibri"/>
-              </a:rPr>
-              <a:t> </a:t>
-            </a:r>
-            <a:r>
-              <a:rPr lang="en-GB" sz="1600" b="1" dirty="0" err="1">
-                <a:cs typeface="Calibri"/>
-              </a:rPr>
-              <a:t>presentatie</a:t>
-            </a:r>
-            <a:endParaRPr lang="en-GB" sz="1600" b="1" dirty="0">
+            <a:r>
+              <a:rPr lang="nl-NL" dirty="0">
+                <a:cs typeface="Calibri"/>
+              </a:rPr>
+              <a:t>Figma</a:t>
+            </a:r>
+          </a:p>
+          <a:p>
+            <a:r>
+              <a:rPr lang="nl-NL" dirty="0">
+                <a:cs typeface="Calibri"/>
+              </a:rPr>
+              <a:t>Photoshop</a:t>
+            </a:r>
+          </a:p>
+          <a:p>
+            <a:r>
+              <a:rPr lang="nl-NL" dirty="0">
+                <a:cs typeface="Calibri"/>
+              </a:rPr>
+              <a:t>Autocad web-app</a:t>
+            </a:r>
+          </a:p>
+          <a:p>
+            <a:r>
+              <a:rPr lang="nl-NL" dirty="0">
+                <a:cs typeface="Calibri"/>
+              </a:rPr>
+              <a:t>Google Earth</a:t>
+            </a:r>
+          </a:p>
+          <a:p>
+            <a:r>
+              <a:rPr lang="nl-NL" dirty="0">
+                <a:cs typeface="Calibri"/>
+              </a:rPr>
+              <a:t>Makepad.dev</a:t>
+            </a:r>
+          </a:p>
+          <a:p>
+            <a:r>
+              <a:rPr lang="nl-NL" dirty="0">
+                <a:cs typeface="Calibri"/>
+              </a:rPr>
+              <a:t>Amazon Primevideo</a:t>
+            </a:r>
+          </a:p>
+          <a:p>
+            <a:r>
+              <a:rPr lang="nl-NL" dirty="0" err="1">
+                <a:cs typeface="Calibri"/>
+              </a:rPr>
+              <a:t>LibreOffice</a:t>
+            </a:r>
+            <a:endParaRPr lang="nl-NL" dirty="0">
               <a:cs typeface="Calibri"/>
             </a:endParaRPr>
           </a:p>
           <a:p>
-            <a:pPr marL="0" indent="0">
-              <a:buNone/>
-            </a:pPr>
-            <a:r>
-              <a:rPr lang="en-GB" sz="1600" dirty="0">
-                <a:cs typeface="Calibri"/>
-              </a:rPr>
-              <a:t>- https://github.com/devhelpr/dotnedsaturday</a:t>
-            </a:r>
-          </a:p>
-          <a:p>
-            <a:pPr marL="0" indent="0">
-              <a:buNone/>
-            </a:pPr>
-            <a:r>
-              <a:rPr lang="en-GB" sz="1600" b="1" dirty="0">
-                <a:cs typeface="Calibri"/>
-              </a:rPr>
-              <a:t>On compilers</a:t>
-            </a:r>
-          </a:p>
-          <a:p>
-            <a:pPr marL="0" indent="0">
-              <a:buNone/>
-            </a:pPr>
-            <a:r>
-              <a:rPr lang="en-GB" sz="1600" dirty="0">
-                <a:cs typeface="Calibri"/>
-              </a:rPr>
-              <a:t>- https://www.udemy.com/course/parser-from-scratch/</a:t>
-            </a:r>
-          </a:p>
-          <a:p>
-            <a:pPr marL="0" indent="0">
-              <a:buNone/>
-            </a:pPr>
-            <a:r>
-              <a:rPr lang="en-GB" sz="1600" b="1" dirty="0">
-                <a:cs typeface="Calibri"/>
-              </a:rPr>
-              <a:t>Build your own webassembly compiler</a:t>
-            </a:r>
-          </a:p>
-          <a:p>
-            <a:pPr marL="0" indent="0">
-              <a:buNone/>
-            </a:pPr>
-            <a:r>
-              <a:rPr lang="en-GB" sz="1600" dirty="0">
-                <a:cs typeface="Calibri"/>
-              </a:rPr>
-              <a:t>- https://www.youtube.com/watch?v=OsGnMm59wb4</a:t>
-            </a:r>
-          </a:p>
-          <a:p>
-            <a:pPr marL="0" indent="0">
-              <a:buNone/>
-            </a:pPr>
-            <a:r>
-              <a:rPr lang="en-GB" sz="1600" b="1" dirty="0">
-                <a:cs typeface="Calibri"/>
-              </a:rPr>
-              <a:t>Webassembly binary toolkit</a:t>
-            </a:r>
-          </a:p>
-          <a:p>
-            <a:pPr marL="0" indent="0">
-              <a:buNone/>
-            </a:pPr>
-            <a:r>
-              <a:rPr lang="en-GB" sz="1600" dirty="0">
-                <a:cs typeface="Calibri"/>
-              </a:rPr>
-              <a:t>- https://github.com/WebAssembly/wabt/releases</a:t>
-            </a:r>
-          </a:p>
-          <a:p>
-            <a:pPr marL="0" indent="0">
-              <a:buNone/>
-            </a:pPr>
-            <a:r>
-              <a:rPr lang="en-GB" sz="1600" b="1" dirty="0">
-                <a:cs typeface="Calibri"/>
-              </a:rPr>
-              <a:t>Game of life</a:t>
-            </a:r>
-          </a:p>
-          <a:p>
-            <a:pPr marL="0" indent="0">
-              <a:buNone/>
-            </a:pPr>
-            <a:r>
-              <a:rPr lang="en-GB" sz="1600" dirty="0">
-                <a:cs typeface="Calibri"/>
-              </a:rPr>
-              <a:t>- https://en.wikipedia.org/wiki/Conway%27s_Game_of_Life</a:t>
-            </a:r>
-          </a:p>
-          <a:p>
-            <a:pPr marL="0" indent="0">
-              <a:buNone/>
-            </a:pPr>
-            <a:r>
-              <a:rPr lang="en-GB" sz="1600" b="1" dirty="0">
-                <a:cs typeface="Calibri"/>
-              </a:rPr>
-              <a:t>Webgl</a:t>
-            </a:r>
-          </a:p>
-          <a:p>
-            <a:pPr marL="0" indent="0">
-              <a:buNone/>
-            </a:pPr>
-            <a:r>
-              <a:rPr lang="en-GB" sz="1600" dirty="0">
-                <a:cs typeface="Calibri"/>
-              </a:rPr>
-              <a:t>- https://webglfundamentals.org/</a:t>
-            </a:r>
+            <a:r>
+              <a:rPr lang="nl-NL" dirty="0">
+                <a:cs typeface="Calibri"/>
+              </a:rPr>
+              <a:t>Server-side: </a:t>
+            </a:r>
+            <a:r>
+              <a:rPr lang="nl-NL" dirty="0" err="1">
+                <a:cs typeface="Calibri"/>
+              </a:rPr>
+              <a:t>Cloudflare</a:t>
+            </a:r>
+            <a:r>
+              <a:rPr lang="nl-NL" dirty="0">
+                <a:cs typeface="Calibri"/>
+              </a:rPr>
+              <a:t> en </a:t>
+            </a:r>
+            <a:r>
+              <a:rPr lang="nl-NL" dirty="0" err="1">
+                <a:cs typeface="Calibri"/>
+              </a:rPr>
+              <a:t>Fastly</a:t>
+            </a:r>
+            <a:endParaRPr lang="nl-NL" dirty="0">
+              <a:cs typeface="Calibri"/>
+            </a:endParaRPr>
+          </a:p>
+          <a:p>
+            <a:endParaRPr lang="nl-NL" dirty="0">
+              <a:cs typeface="Calibri"/>
+            </a:endParaRPr>
           </a:p>
         </p:txBody>
       </p:sp>
     </p:spTree>
     <p:extLst>
       <p:ext uri="{BB962C8B-B14F-4D97-AF65-F5344CB8AC3E}">
-        <p14:creationId xmlns:p14="http://schemas.microsoft.com/office/powerpoint/2010/main" val="3124219895"/>
+        <p14:creationId xmlns:p14="http://schemas.microsoft.com/office/powerpoint/2010/main" val="829322407"/>
       </p:ext>
     </p:extLst>
   </p:cSld>
@@ -13904,8 +13841,41 @@
               <a:rPr lang="en-GB" sz="1600" b="1" dirty="0">
                 <a:cs typeface="Calibri"/>
               </a:rPr>
-              <a:t>Future of code slack group</a:t>
-            </a:r>
+              <a:t>Repository met </a:t>
+            </a:r>
+            <a:r>
+              <a:rPr lang="en-GB" sz="1600" b="1" dirty="0" err="1">
+                <a:cs typeface="Calibri"/>
+              </a:rPr>
+              <a:t>voorbeelden</a:t>
+            </a:r>
+            <a:r>
+              <a:rPr lang="en-GB" sz="1600" b="1" dirty="0">
+                <a:cs typeface="Calibri"/>
+              </a:rPr>
+              <a:t> </a:t>
+            </a:r>
+            <a:r>
+              <a:rPr lang="en-GB" sz="1600" b="1" dirty="0" err="1">
+                <a:cs typeface="Calibri"/>
+              </a:rPr>
+              <a:t>uit</a:t>
+            </a:r>
+            <a:r>
+              <a:rPr lang="en-GB" sz="1600" b="1" dirty="0">
+                <a:cs typeface="Calibri"/>
+              </a:rPr>
+              <a:t> </a:t>
+            </a:r>
+            <a:r>
+              <a:rPr lang="en-GB" sz="1600" b="1" dirty="0" err="1">
+                <a:cs typeface="Calibri"/>
+              </a:rPr>
+              <a:t>presentatie</a:t>
+            </a:r>
+            <a:endParaRPr lang="en-GB" sz="1600" b="1" dirty="0">
+              <a:cs typeface="Calibri"/>
+            </a:endParaRPr>
           </a:p>
           <a:p>
             <a:pPr marL="0" indent="0">
@@ -13915,124 +13885,40 @@
               <a:rPr lang="en-GB" sz="1600" dirty="0">
                 <a:cs typeface="Calibri"/>
               </a:rPr>
-              <a:t>- https://futureofcoding.org/</a:t>
-            </a:r>
-            <a:endParaRPr lang="en-GB" sz="1600" b="1" dirty="0">
-              <a:cs typeface="Calibri"/>
-            </a:endParaRPr>
+              <a:t>- https://github.com/devhelpr/dotnedsaturday</a:t>
+            </a:r>
           </a:p>
           <a:p>
             <a:pPr marL="0" indent="0">
               <a:buNone/>
             </a:pPr>
             <a:r>
-              <a:rPr lang="en-GB" sz="1600" b="1" dirty="0" err="1">
-                <a:cs typeface="Calibri"/>
-              </a:rPr>
-              <a:t>Webassembly</a:t>
-            </a:r>
-            <a:r>
               <a:rPr lang="en-GB" sz="1600" b="1" dirty="0">
                 <a:cs typeface="Calibri"/>
               </a:rPr>
-              <a:t> code explorer</a:t>
-            </a:r>
-          </a:p>
-          <a:p>
-            <a:pPr>
-              <a:buFontTx/>
-              <a:buChar char="-"/>
-            </a:pPr>
-            <a:r>
-              <a:rPr lang="en-GB" sz="1600" dirty="0">
-                <a:cs typeface="Calibri"/>
-                <a:hlinkClick r:id="rId2"/>
-              </a:rPr>
-              <a:t>https://wasdk.github.io/wasmcodeexplorer/</a:t>
-            </a:r>
-            <a:endParaRPr lang="en-GB" sz="1600" dirty="0">
-              <a:cs typeface="Calibri"/>
-            </a:endParaRPr>
+              <a:t>On compilers</a:t>
+            </a:r>
           </a:p>
           <a:p>
             <a:pPr marL="0" indent="0">
               <a:buNone/>
             </a:pPr>
             <a:r>
-              <a:rPr lang="en-GB" sz="1600" b="1" dirty="0" err="1">
-                <a:cs typeface="Calibri"/>
-              </a:rPr>
-              <a:t>Wasmtime</a:t>
-            </a:r>
-            <a:r>
-              <a:rPr lang="en-GB" sz="1600" b="1" dirty="0">
-                <a:cs typeface="Calibri"/>
-              </a:rPr>
-              <a:t> dotnet</a:t>
-            </a:r>
-          </a:p>
-          <a:p>
-            <a:pPr>
-              <a:buFontTx/>
-              <a:buChar char="-"/>
-            </a:pPr>
-            <a:r>
               <a:rPr lang="en-GB" sz="1600" dirty="0">
                 <a:cs typeface="Calibri"/>
-                <a:hlinkClick r:id="rId3"/>
-              </a:rPr>
-              <a:t>https://github.com/bytecodealliance/wasmtime-dotnet</a:t>
-            </a:r>
-            <a:endParaRPr lang="en-GB" sz="1600" dirty="0">
-              <a:cs typeface="Calibri"/>
-            </a:endParaRPr>
+              </a:rPr>
+              <a:t>- https://www.udemy.com/course/parser-from-scratch/</a:t>
+            </a:r>
           </a:p>
           <a:p>
             <a:pPr marL="0" indent="0">
               <a:buNone/>
             </a:pPr>
             <a:r>
-              <a:rPr lang="en-GB" sz="1600" b="1" dirty="0" err="1">
-                <a:cs typeface="Calibri"/>
-              </a:rPr>
-              <a:t>Blazor</a:t>
-            </a:r>
-            <a:endParaRPr lang="en-GB" sz="1600" b="1" dirty="0">
-              <a:cs typeface="Calibri"/>
-            </a:endParaRPr>
-          </a:p>
-          <a:p>
-            <a:pPr>
-              <a:buFontTx/>
-              <a:buChar char="-"/>
-            </a:pPr>
-            <a:r>
-              <a:rPr lang="en-GB" sz="1600" dirty="0">
-                <a:cs typeface="Calibri"/>
-                <a:hlinkClick r:id="rId4"/>
-              </a:rPr>
-              <a:t>https://blazor-demo.github.io/Counter</a:t>
-            </a:r>
-            <a:endParaRPr lang="en-GB" sz="1600" dirty="0">
-              <a:cs typeface="Calibri"/>
-            </a:endParaRPr>
-          </a:p>
-          <a:p>
-            <a:pPr>
-              <a:buFontTx/>
-              <a:buChar char="-"/>
-            </a:pPr>
-            <a:r>
-              <a:rPr lang="en-GB" sz="1600" dirty="0" err="1">
-                <a:cs typeface="Calibri"/>
-              </a:rPr>
-              <a:t>Blazor</a:t>
-            </a:r>
-            <a:r>
-              <a:rPr lang="en-GB" sz="1600" dirty="0">
-                <a:cs typeface="Calibri"/>
-              </a:rPr>
-              <a:t> internals: https://blog.ndepend.com/blazor-internals-you-need-to-know/</a:t>
+              <a:rPr lang="en-GB" sz="1600" b="1" dirty="0">
+                <a:cs typeface="Calibri"/>
+              </a:rPr>
+              <a:t>Build your own webassembly compiler</a:t>
             </a:r>
           </a:p>
           <a:p>
@@ -14040,27 +13926,11 @@
               <a:buNone/>
             </a:pPr>
             <a:r>
-              <a:rPr lang="en-GB" sz="1600" b="1" dirty="0">
-                <a:cs typeface="Calibri"/>
-              </a:rPr>
-              <a:t>WASI</a:t>
-            </a:r>
-          </a:p>
-          <a:p>
-            <a:pPr>
-              <a:buFontTx/>
-              <a:buChar char="-"/>
-            </a:pPr>
-            <a:r>
               <a:rPr lang="en-GB" sz="1600" dirty="0">
                 <a:cs typeface="Calibri"/>
-                <a:hlinkClick r:id="rId5"/>
-              </a:rPr>
-              <a:t>https://wasmer.io/</a:t>
-            </a:r>
-            <a:endParaRPr lang="en-GB" sz="1600" dirty="0">
-              <a:cs typeface="Calibri"/>
-            </a:endParaRPr>
+              </a:rPr>
+              <a:t>- https://www.youtube.com/watch?v=OsGnMm59wb4</a:t>
+            </a:r>
           </a:p>
           <a:p>
             <a:pPr marL="0" indent="0">
@@ -14070,25 +13940,7 @@
               <a:rPr lang="en-GB" sz="1600" b="1" dirty="0">
                 <a:cs typeface="Calibri"/>
               </a:rPr>
-              <a:t>Retro emulators</a:t>
-            </a:r>
-            <a:r>
-              <a:rPr lang="en-GB" sz="1600" dirty="0">
-                <a:cs typeface="Calibri"/>
-              </a:rPr>
-              <a:t> (</a:t>
-            </a:r>
-            <a:r>
-              <a:rPr lang="en-GB" sz="1600" dirty="0" err="1">
-                <a:cs typeface="Calibri"/>
-              </a:rPr>
-              <a:t>oa</a:t>
-            </a:r>
-            <a:r>
-              <a:rPr lang="en-GB" sz="1600" dirty="0">
-                <a:cs typeface="Calibri"/>
-              </a:rPr>
-              <a:t> c64 …)</a:t>
+              <a:t>Webassembly binary toolkit</a:t>
             </a:r>
           </a:p>
           <a:p>
@@ -14099,7 +13951,51 @@
               <a:rPr lang="en-GB" sz="1600" dirty="0">
                 <a:cs typeface="Calibri"/>
               </a:rPr>
-              <a:t>- https://floooh.github.io/tiny8bit/</a:t>
+              <a:t>- https://github.com/WebAssembly/wabt/releases</a:t>
+            </a:r>
+          </a:p>
+          <a:p>
+            <a:pPr marL="0" indent="0">
+              <a:buNone/>
+            </a:pPr>
+            <a:r>
+              <a:rPr lang="en-GB" sz="1600" b="1" dirty="0">
+                <a:cs typeface="Calibri"/>
+              </a:rPr>
+              <a:t>Game of life</a:t>
+            </a:r>
+          </a:p>
+          <a:p>
+            <a:pPr marL="0" indent="0">
+              <a:buNone/>
+            </a:pPr>
+            <a:r>
+              <a:rPr lang="en-GB" sz="1600" dirty="0">
+                <a:cs typeface="Calibri"/>
+              </a:rPr>
+              <a:t>- https://en.wikipedia.org/wiki/Conway%27s_Game_of_Life</a:t>
+            </a:r>
+          </a:p>
+          <a:p>
+            <a:pPr marL="0" indent="0">
+              <a:buNone/>
+            </a:pPr>
+            <a:r>
+              <a:rPr lang="en-GB" sz="1600" b="1" dirty="0">
+                <a:cs typeface="Calibri"/>
+              </a:rPr>
+              <a:t>Webgl</a:t>
+            </a:r>
+          </a:p>
+          <a:p>
+            <a:pPr marL="0" indent="0">
+              <a:buNone/>
+            </a:pPr>
+            <a:r>
+              <a:rPr lang="en-GB" sz="1600" dirty="0">
+                <a:cs typeface="Calibri"/>
+              </a:rPr>
+              <a:t>- https://webglfundamentals.org/</a:t>
             </a:r>
           </a:p>
         </p:txBody>
@@ -14107,7 +14003,7 @@
     </p:spTree>
     <p:extLst>
       <p:ext uri="{BB962C8B-B14F-4D97-AF65-F5344CB8AC3E}">
-        <p14:creationId xmlns:p14="http://schemas.microsoft.com/office/powerpoint/2010/main" val="2854199004"/>
+        <p14:creationId xmlns:p14="http://schemas.microsoft.com/office/powerpoint/2010/main" val="3124219895"/>
       </p:ext>
     </p:extLst>
   </p:cSld>
@@ -14159,7 +14055,7 @@
               <a:rPr lang="nl-NL" dirty="0">
                 <a:cs typeface="Calibri Light"/>
               </a:rPr>
-              <a:t>Boeken</a:t>
+              <a:t>Links</a:t>
             </a:r>
             <a:endParaRPr lang="nl-NL" dirty="0"/>
           </a:p>
@@ -14192,6 +14088,297 @@
               <a:buNone/>
             </a:pPr>
             <a:r>
+              <a:rPr lang="en-GB" sz="1600" b="1" dirty="0">
+                <a:cs typeface="Calibri"/>
+              </a:rPr>
+              <a:t>Future of code slack group</a:t>
+            </a:r>
+          </a:p>
+          <a:p>
+            <a:pPr marL="0" indent="0">
+              <a:buNone/>
+            </a:pPr>
+            <a:r>
+              <a:rPr lang="en-GB" sz="1600" dirty="0">
+                <a:cs typeface="Calibri"/>
+              </a:rPr>
+              <a:t>- https://futureofcoding.org/</a:t>
+            </a:r>
+            <a:endParaRPr lang="en-GB" sz="1600" b="1" dirty="0">
+              <a:cs typeface="Calibri"/>
+            </a:endParaRPr>
+          </a:p>
+          <a:p>
+            <a:pPr marL="0" indent="0">
+              <a:buNone/>
+            </a:pPr>
+            <a:r>
+              <a:rPr lang="en-GB" sz="1600" b="1" dirty="0" err="1">
+                <a:cs typeface="Calibri"/>
+              </a:rPr>
+              <a:t>Webassembly</a:t>
+            </a:r>
+            <a:r>
+              <a:rPr lang="en-GB" sz="1600" b="1" dirty="0">
+                <a:cs typeface="Calibri"/>
+              </a:rPr>
+              <a:t> code explorer</a:t>
+            </a:r>
+          </a:p>
+          <a:p>
+            <a:pPr>
+              <a:buFontTx/>
+              <a:buChar char="-"/>
+            </a:pPr>
+            <a:r>
+              <a:rPr lang="en-GB" sz="1600" dirty="0">
+                <a:cs typeface="Calibri"/>
+                <a:hlinkClick r:id="rId2"/>
+              </a:rPr>
+              <a:t>https://wasdk.github.io/wasmcodeexplorer/</a:t>
+            </a:r>
+            <a:endParaRPr lang="en-GB" sz="1600" dirty="0">
+              <a:cs typeface="Calibri"/>
+            </a:endParaRPr>
+          </a:p>
+          <a:p>
+            <a:pPr marL="0" indent="0">
+              <a:buNone/>
+            </a:pPr>
+            <a:r>
+              <a:rPr lang="en-GB" sz="1600" b="1" dirty="0" err="1">
+                <a:cs typeface="Calibri"/>
+              </a:rPr>
+              <a:t>Wasmtime</a:t>
+            </a:r>
+            <a:r>
+              <a:rPr lang="en-GB" sz="1600" b="1" dirty="0">
+                <a:cs typeface="Calibri"/>
+              </a:rPr>
+              <a:t> dotnet</a:t>
+            </a:r>
+          </a:p>
+          <a:p>
+            <a:pPr>
+              <a:buFontTx/>
+              <a:buChar char="-"/>
+            </a:pPr>
+            <a:r>
+              <a:rPr lang="en-GB" sz="1600" dirty="0">
+                <a:cs typeface="Calibri"/>
+                <a:hlinkClick r:id="rId3"/>
+              </a:rPr>
+              <a:t>https://github.com/bytecodealliance/wasmtime-dotnet</a:t>
+            </a:r>
+            <a:endParaRPr lang="en-GB" sz="1600" dirty="0">
+              <a:cs typeface="Calibri"/>
+            </a:endParaRPr>
+          </a:p>
+          <a:p>
+            <a:pPr marL="0" indent="0">
+              <a:buNone/>
+            </a:pPr>
+            <a:r>
+              <a:rPr lang="en-GB" sz="1600" b="1" dirty="0" err="1">
+                <a:cs typeface="Calibri"/>
+              </a:rPr>
+              <a:t>Blazor</a:t>
+            </a:r>
+            <a:endParaRPr lang="en-GB" sz="1600" b="1" dirty="0">
+              <a:cs typeface="Calibri"/>
+            </a:endParaRPr>
+          </a:p>
+          <a:p>
+            <a:pPr>
+              <a:buFontTx/>
+              <a:buChar char="-"/>
+            </a:pPr>
+            <a:r>
+              <a:rPr lang="en-GB" sz="1600" dirty="0">
+                <a:cs typeface="Calibri"/>
+                <a:hlinkClick r:id="rId4"/>
+              </a:rPr>
+              <a:t>https://blazor-demo.github.io/Counter</a:t>
+            </a:r>
+            <a:endParaRPr lang="en-GB" sz="1600" dirty="0">
+              <a:cs typeface="Calibri"/>
+            </a:endParaRPr>
+          </a:p>
+          <a:p>
+            <a:pPr>
+              <a:buFontTx/>
+              <a:buChar char="-"/>
+            </a:pPr>
+            <a:r>
+              <a:rPr lang="en-GB" sz="1600" dirty="0" err="1">
+                <a:cs typeface="Calibri"/>
+              </a:rPr>
+              <a:t>Blazor</a:t>
+            </a:r>
+            <a:r>
+              <a:rPr lang="en-GB" sz="1600" dirty="0">
+                <a:cs typeface="Calibri"/>
+              </a:rPr>
+              <a:t> internals: https://blog.ndepend.com/blazor-internals-you-need-to-know/</a:t>
+            </a:r>
+          </a:p>
+          <a:p>
+            <a:pPr marL="0" indent="0">
+              <a:buNone/>
+            </a:pPr>
+            <a:r>
+              <a:rPr lang="en-GB" sz="1600" b="1" dirty="0">
+                <a:cs typeface="Calibri"/>
+              </a:rPr>
+              <a:t>WASI</a:t>
+            </a:r>
+          </a:p>
+          <a:p>
+            <a:pPr>
+              <a:buFontTx/>
+              <a:buChar char="-"/>
+            </a:pPr>
+            <a:r>
+              <a:rPr lang="en-GB" sz="1600" dirty="0">
+                <a:cs typeface="Calibri"/>
+                <a:hlinkClick r:id="rId5"/>
+              </a:rPr>
+              <a:t>https://wasmer.io/</a:t>
+            </a:r>
+            <a:endParaRPr lang="en-GB" sz="1600" dirty="0">
+              <a:cs typeface="Calibri"/>
+            </a:endParaRPr>
+          </a:p>
+          <a:p>
+            <a:pPr marL="0" indent="0">
+              <a:buNone/>
+            </a:pPr>
+            <a:r>
+              <a:rPr lang="en-GB" sz="1600" b="1" dirty="0">
+                <a:cs typeface="Calibri"/>
+              </a:rPr>
+              <a:t>Retro emulators</a:t>
+            </a:r>
+            <a:r>
+              <a:rPr lang="en-GB" sz="1600" dirty="0">
+                <a:cs typeface="Calibri"/>
+              </a:rPr>
+              <a:t> (</a:t>
+            </a:r>
+            <a:r>
+              <a:rPr lang="en-GB" sz="1600" dirty="0" err="1">
+                <a:cs typeface="Calibri"/>
+              </a:rPr>
+              <a:t>oa</a:t>
+            </a:r>
+            <a:r>
+              <a:rPr lang="en-GB" sz="1600" dirty="0">
+                <a:cs typeface="Calibri"/>
+              </a:rPr>
+              <a:t> c64 …)</a:t>
+            </a:r>
+          </a:p>
+          <a:p>
+            <a:pPr marL="0" indent="0">
+              <a:buNone/>
+            </a:pPr>
+            <a:r>
+              <a:rPr lang="en-GB" sz="1600" dirty="0">
+                <a:cs typeface="Calibri"/>
+              </a:rPr>
+              <a:t>- https://floooh.github.io/tiny8bit/</a:t>
+            </a:r>
+          </a:p>
+        </p:txBody>
+      </p:sp>
+    </p:spTree>
+    <p:extLst>
+      <p:ext uri="{BB962C8B-B14F-4D97-AF65-F5344CB8AC3E}">
+        <p14:creationId xmlns:p14="http://schemas.microsoft.com/office/powerpoint/2010/main" val="2854199004"/>
+      </p:ext>
+    </p:extLst>
+  </p:cSld>
+  <p:clrMapOvr>
+    <a:masterClrMapping/>
+  </p:clrMapOvr>
+</p:sld>
+</file>
+
+<file path=ppt/slides/slide33.xml><?xml version="1.0" encoding="utf-8"?>
+<p:sld xmlns:a="http://schemas.openxmlformats.org/drawingml/2006/main" xmlns:r="http://schemas.openxmlformats.org/officeDocument/2006/relationships" xmlns:p="http://schemas.openxmlformats.org/presentationml/2006/main">
+  <p:cSld>
+    <p:spTree>
+      <p:nvGrpSpPr>
+        <p:cNvPr id="1" name=""/>
+        <p:cNvGrpSpPr/>
+        <p:nvPr/>
+      </p:nvGrpSpPr>
+      <p:grpSpPr>
+        <a:xfrm>
+          <a:off x="0" y="0"/>
+          <a:ext cx="0" cy="0"/>
+          <a:chOff x="0" y="0"/>
+          <a:chExt cx="0" cy="0"/>
+        </a:xfrm>
+      </p:grpSpPr>
+      <p:sp>
+        <p:nvSpPr>
+          <p:cNvPr id="2" name="Titel 1">
+            <a:extLst>
+              <a:ext uri="{FF2B5EF4-FFF2-40B4-BE49-F238E27FC236}">
+                <a16:creationId xmlns:a16="http://schemas.microsoft.com/office/drawing/2014/main" id="{24163FEC-C4A6-4487-99DD-2D94170652DB}"/>
+              </a:ext>
+            </a:extLst>
+          </p:cNvPr>
+          <p:cNvSpPr>
+            <a:spLocks noGrp="1"/>
+          </p:cNvSpPr>
+          <p:nvPr>
+            <p:ph type="title"/>
+          </p:nvPr>
+        </p:nvSpPr>
+        <p:spPr/>
+        <p:txBody>
+          <a:bodyPr/>
+          <a:lstStyle/>
+          <a:p>
+            <a:r>
+              <a:rPr lang="nl-NL" dirty="0">
+                <a:cs typeface="Calibri Light"/>
+              </a:rPr>
+              <a:t>Boeken</a:t>
+            </a:r>
+            <a:endParaRPr lang="nl-NL" dirty="0"/>
+          </a:p>
+        </p:txBody>
+      </p:sp>
+      <p:sp>
+        <p:nvSpPr>
+          <p:cNvPr id="3" name="Tijdelijke aanduiding voor inhoud 2">
+            <a:extLst>
+              <a:ext uri="{FF2B5EF4-FFF2-40B4-BE49-F238E27FC236}">
+                <a16:creationId xmlns:a16="http://schemas.microsoft.com/office/drawing/2014/main" id="{87578E1C-88E9-4F17-9372-61EABA95C2A6}"/>
+              </a:ext>
+            </a:extLst>
+          </p:cNvPr>
+          <p:cNvSpPr>
+            <a:spLocks noGrp="1"/>
+          </p:cNvSpPr>
+          <p:nvPr>
+            <p:ph idx="1"/>
+          </p:nvPr>
+        </p:nvSpPr>
+        <p:spPr/>
+        <p:txBody>
+          <a:bodyPr vert="horz" lIns="91440" tIns="45720" rIns="91440" bIns="45720" rtlCol="0" anchor="t">
+            <a:noAutofit/>
+          </a:bodyPr>
+          <a:lstStyle/>
+          <a:p>
+            <a:pPr marL="0" indent="0">
+              <a:buNone/>
+            </a:pPr>
+            <a:r>
               <a:rPr lang="en-GB" sz="1600" dirty="0">
                 <a:cs typeface="Calibri"/>
               </a:rPr>
@@ -14227,7 +14414,7 @@
 </p:sld>
 </file>
 
-<file path=ppt/slides/slide33.xml><?xml version="1.0" encoding="utf-8"?>
+<file path=ppt/slides/slide34.xml><?xml version="1.0" encoding="utf-8"?>
 <p:sld xmlns:a="http://schemas.openxmlformats.org/drawingml/2006/main" xmlns:r="http://schemas.openxmlformats.org/officeDocument/2006/relationships" xmlns:p="http://schemas.openxmlformats.org/presentationml/2006/main">
   <p:cSld>
     <p:spTree>
@@ -14418,7 +14605,7 @@
 </p:sld>
 </file>
 
-<file path=ppt/slides/slide34.xml><?xml version="1.0" encoding="utf-8"?>
+<file path=ppt/slides/slide35.xml><?xml version="1.0" encoding="utf-8"?>
 <p:sld xmlns:a="http://schemas.openxmlformats.org/drawingml/2006/main" xmlns:r="http://schemas.openxmlformats.org/officeDocument/2006/relationships" xmlns:p="http://schemas.openxmlformats.org/presentationml/2006/main">
   <p:cSld>
     <p:spTree>
@@ -16237,7 +16424,11 @@
             </a:r>
             <a:r>
               <a:rPr lang="nl-NL" dirty="0"/>
-              <a:t> file</a:t>
+              <a:t> file + JS </a:t>
+            </a:r>
+            <a:r>
+              <a:rPr lang="nl-NL" dirty="0" err="1"/>
+              <a:t>bindings</a:t>
             </a:r>
             <a:endParaRPr lang="en-NL" dirty="0"/>
           </a:p>
